--- a/programmer/programme/algorithm/Renyi Entropy/Renyi entropy.pptx
+++ b/programmer/programme/algorithm/Renyi Entropy/Renyi entropy.pptx
@@ -11,6 +11,17 @@
     <p:sldId id="258" r:id="rId5"/>
     <p:sldId id="260" r:id="rId6"/>
     <p:sldId id="261" r:id="rId7"/>
+    <p:sldId id="262" r:id="rId8"/>
+    <p:sldId id="266" r:id="rId9"/>
+    <p:sldId id="263" r:id="rId10"/>
+    <p:sldId id="264" r:id="rId11"/>
+    <p:sldId id="265" r:id="rId12"/>
+    <p:sldId id="267" r:id="rId13"/>
+    <p:sldId id="268" r:id="rId14"/>
+    <p:sldId id="269" r:id="rId15"/>
+    <p:sldId id="270" r:id="rId16"/>
+    <p:sldId id="271" r:id="rId17"/>
+    <p:sldId id="272" r:id="rId18"/>
   </p:sldIdLst>
   <p:sldSz cx="12192000" cy="6858000"/>
   <p:notesSz cx="6858000" cy="9144000"/>
@@ -120,12 +131,27 @@
             <p14:sldId id="258"/>
             <p14:sldId id="260"/>
             <p14:sldId id="261"/>
+            <p14:sldId id="262"/>
+            <p14:sldId id="266"/>
+            <p14:sldId id="263"/>
+            <p14:sldId id="264"/>
+            <p14:sldId id="265"/>
           </p14:sldIdLst>
         </p14:section>
         <p14:section name="演化过程" id="{87005D89-3CF1-4797-9B16-7E7F312ADF40}">
-          <p14:sldIdLst/>
+          <p14:sldIdLst>
+            <p14:sldId id="267"/>
+            <p14:sldId id="268"/>
+            <p14:sldId id="269"/>
+            <p14:sldId id="270"/>
+            <p14:sldId id="271"/>
+            <p14:sldId id="272"/>
+          </p14:sldIdLst>
         </p14:section>
       </p14:sectionLst>
+    </p:ext>
+    <p:ext uri="{EFAFB233-063F-42B5-8137-9DF3F51BA10A}">
+      <p15:sldGuideLst xmlns:p15="http://schemas.microsoft.com/office/powerpoint/2012/main"/>
     </p:ext>
   </p:extLst>
 </p:presentation>
@@ -278,7 +304,7 @@
           <a:p>
             <a:fld id="{CBD133A0-D18A-48BF-936F-7394FE05BCBF}" type="datetimeFigureOut">
               <a:rPr lang="zh-CN" altLang="en-US" smtClean="0"/>
-              <a:t>2018/11/28</a:t>
+              <a:t>2018/11/29</a:t>
             </a:fld>
             <a:endParaRPr lang="zh-CN" altLang="en-US"/>
           </a:p>
@@ -476,7 +502,7 @@
           <a:p>
             <a:fld id="{CBD133A0-D18A-48BF-936F-7394FE05BCBF}" type="datetimeFigureOut">
               <a:rPr lang="zh-CN" altLang="en-US" smtClean="0"/>
-              <a:t>2018/11/28</a:t>
+              <a:t>2018/11/29</a:t>
             </a:fld>
             <a:endParaRPr lang="zh-CN" altLang="en-US"/>
           </a:p>
@@ -684,7 +710,7 @@
           <a:p>
             <a:fld id="{CBD133A0-D18A-48BF-936F-7394FE05BCBF}" type="datetimeFigureOut">
               <a:rPr lang="zh-CN" altLang="en-US" smtClean="0"/>
-              <a:t>2018/11/28</a:t>
+              <a:t>2018/11/29</a:t>
             </a:fld>
             <a:endParaRPr lang="zh-CN" altLang="en-US"/>
           </a:p>
@@ -882,7 +908,7 @@
           <a:p>
             <a:fld id="{CBD133A0-D18A-48BF-936F-7394FE05BCBF}" type="datetimeFigureOut">
               <a:rPr lang="zh-CN" altLang="en-US" smtClean="0"/>
-              <a:t>2018/11/28</a:t>
+              <a:t>2018/11/29</a:t>
             </a:fld>
             <a:endParaRPr lang="zh-CN" altLang="en-US"/>
           </a:p>
@@ -1157,7 +1183,7 @@
           <a:p>
             <a:fld id="{CBD133A0-D18A-48BF-936F-7394FE05BCBF}" type="datetimeFigureOut">
               <a:rPr lang="zh-CN" altLang="en-US" smtClean="0"/>
-              <a:t>2018/11/28</a:t>
+              <a:t>2018/11/29</a:t>
             </a:fld>
             <a:endParaRPr lang="zh-CN" altLang="en-US"/>
           </a:p>
@@ -1422,7 +1448,7 @@
           <a:p>
             <a:fld id="{CBD133A0-D18A-48BF-936F-7394FE05BCBF}" type="datetimeFigureOut">
               <a:rPr lang="zh-CN" altLang="en-US" smtClean="0"/>
-              <a:t>2018/11/28</a:t>
+              <a:t>2018/11/29</a:t>
             </a:fld>
             <a:endParaRPr lang="zh-CN" altLang="en-US"/>
           </a:p>
@@ -1834,7 +1860,7 @@
           <a:p>
             <a:fld id="{CBD133A0-D18A-48BF-936F-7394FE05BCBF}" type="datetimeFigureOut">
               <a:rPr lang="zh-CN" altLang="en-US" smtClean="0"/>
-              <a:t>2018/11/28</a:t>
+              <a:t>2018/11/29</a:t>
             </a:fld>
             <a:endParaRPr lang="zh-CN" altLang="en-US"/>
           </a:p>
@@ -1975,7 +2001,7 @@
           <a:p>
             <a:fld id="{CBD133A0-D18A-48BF-936F-7394FE05BCBF}" type="datetimeFigureOut">
               <a:rPr lang="zh-CN" altLang="en-US" smtClean="0"/>
-              <a:t>2018/11/28</a:t>
+              <a:t>2018/11/29</a:t>
             </a:fld>
             <a:endParaRPr lang="zh-CN" altLang="en-US"/>
           </a:p>
@@ -2088,7 +2114,7 @@
           <a:p>
             <a:fld id="{CBD133A0-D18A-48BF-936F-7394FE05BCBF}" type="datetimeFigureOut">
               <a:rPr lang="zh-CN" altLang="en-US" smtClean="0"/>
-              <a:t>2018/11/28</a:t>
+              <a:t>2018/11/29</a:t>
             </a:fld>
             <a:endParaRPr lang="zh-CN" altLang="en-US"/>
           </a:p>
@@ -2399,7 +2425,7 @@
           <a:p>
             <a:fld id="{CBD133A0-D18A-48BF-936F-7394FE05BCBF}" type="datetimeFigureOut">
               <a:rPr lang="zh-CN" altLang="en-US" smtClean="0"/>
-              <a:t>2018/11/28</a:t>
+              <a:t>2018/11/29</a:t>
             </a:fld>
             <a:endParaRPr lang="zh-CN" altLang="en-US"/>
           </a:p>
@@ -2687,7 +2713,7 @@
           <a:p>
             <a:fld id="{CBD133A0-D18A-48BF-936F-7394FE05BCBF}" type="datetimeFigureOut">
               <a:rPr lang="zh-CN" altLang="en-US" smtClean="0"/>
-              <a:t>2018/11/28</a:t>
+              <a:t>2018/11/29</a:t>
             </a:fld>
             <a:endParaRPr lang="zh-CN" altLang="en-US"/>
           </a:p>
@@ -2928,7 +2954,7 @@
           <a:p>
             <a:fld id="{CBD133A0-D18A-48BF-936F-7394FE05BCBF}" type="datetimeFigureOut">
               <a:rPr lang="zh-CN" altLang="en-US" smtClean="0"/>
-              <a:t>2018/11/28</a:t>
+              <a:t>2018/11/29</a:t>
             </a:fld>
             <a:endParaRPr lang="zh-CN" altLang="en-US"/>
           </a:p>
@@ -3422,6 +3448,2323 @@
 </p:sld>
 </file>
 
+<file path=ppt/slides/slide10.xml><?xml version="1.0" encoding="utf-8"?>
+<p:sld xmlns:a="http://schemas.openxmlformats.org/drawingml/2006/main" xmlns:r="http://schemas.openxmlformats.org/officeDocument/2006/relationships" xmlns:p="http://schemas.openxmlformats.org/presentationml/2006/main">
+  <p:cSld>
+    <p:spTree>
+      <p:nvGrpSpPr>
+        <p:cNvPr id="1" name=""/>
+        <p:cNvGrpSpPr/>
+        <p:nvPr/>
+      </p:nvGrpSpPr>
+      <p:grpSpPr>
+        <a:xfrm>
+          <a:off x="0" y="0"/>
+          <a:ext cx="0" cy="0"/>
+          <a:chOff x="0" y="0"/>
+          <a:chExt cx="0" cy="0"/>
+        </a:xfrm>
+      </p:grpSpPr>
+      <p:sp>
+        <p:nvSpPr>
+          <p:cNvPr id="2" name="标题 1">
+            <a:extLst>
+              <a:ext uri="{FF2B5EF4-FFF2-40B4-BE49-F238E27FC236}">
+                <a16:creationId xmlns:a16="http://schemas.microsoft.com/office/drawing/2014/main" id="{04B8FD12-A1C5-4A72-9A3A-0385BB59F5C3}"/>
+              </a:ext>
+            </a:extLst>
+          </p:cNvPr>
+          <p:cNvSpPr>
+            <a:spLocks noGrp="1"/>
+          </p:cNvSpPr>
+          <p:nvPr>
+            <p:ph type="title"/>
+          </p:nvPr>
+        </p:nvSpPr>
+        <p:spPr>
+          <a:xfrm>
+            <a:off x="838200" y="305987"/>
+            <a:ext cx="10515600" cy="514904"/>
+          </a:xfrm>
+        </p:spPr>
+        <p:txBody>
+          <a:bodyPr>
+            <a:normAutofit fontScale="90000"/>
+          </a:bodyPr>
+          <a:lstStyle/>
+          <a:p>
+            <a:pPr algn="ctr"/>
+            <a:r>
+              <a:rPr lang="en-US" altLang="zh-CN" dirty="0"/>
+              <a:t>6 qubits</a:t>
+            </a:r>
+            <a:endParaRPr lang="zh-CN" altLang="en-US" dirty="0"/>
+          </a:p>
+        </p:txBody>
+      </p:sp>
+      <p:graphicFrame>
+        <p:nvGraphicFramePr>
+          <p:cNvPr id="4" name="内容占位符 3">
+            <a:extLst>
+              <a:ext uri="{FF2B5EF4-FFF2-40B4-BE49-F238E27FC236}">
+                <a16:creationId xmlns:a16="http://schemas.microsoft.com/office/drawing/2014/main" id="{2FA5684B-6E29-4A53-A4C3-CF799B81351A}"/>
+              </a:ext>
+            </a:extLst>
+          </p:cNvPr>
+          <p:cNvGraphicFramePr>
+            <a:graphicFrameLocks noGrp="1"/>
+          </p:cNvGraphicFramePr>
+          <p:nvPr>
+            <p:ph idx="1"/>
+            <p:extLst>
+              <p:ext uri="{D42A27DB-BD31-4B8C-83A1-F6EECF244321}">
+                <p14:modId xmlns:p14="http://schemas.microsoft.com/office/powerpoint/2010/main" val="2372203852"/>
+              </p:ext>
+            </p:extLst>
+          </p:nvPr>
+        </p:nvGraphicFramePr>
+        <p:xfrm>
+          <a:off x="838200" y="1088550"/>
+          <a:ext cx="10515600" cy="2595880"/>
+        </p:xfrm>
+        <a:graphic>
+          <a:graphicData uri="http://schemas.openxmlformats.org/drawingml/2006/table">
+            <a:tbl>
+              <a:tblPr firstRow="1" bandRow="1">
+                <a:tableStyleId>{5C22544A-7EE6-4342-B048-85BDC9FD1C3A}</a:tableStyleId>
+              </a:tblPr>
+              <a:tblGrid>
+                <a:gridCol w="3505200">
+                  <a:extLst>
+                    <a:ext uri="{9D8B030D-6E8A-4147-A177-3AD203B41FA5}">
+                      <a16:colId xmlns:a16="http://schemas.microsoft.com/office/drawing/2014/main" val="2627466452"/>
+                    </a:ext>
+                  </a:extLst>
+                </a:gridCol>
+                <a:gridCol w="3505200">
+                  <a:extLst>
+                    <a:ext uri="{9D8B030D-6E8A-4147-A177-3AD203B41FA5}">
+                      <a16:colId xmlns:a16="http://schemas.microsoft.com/office/drawing/2014/main" val="1268785138"/>
+                    </a:ext>
+                  </a:extLst>
+                </a:gridCol>
+                <a:gridCol w="3505200">
+                  <a:extLst>
+                    <a:ext uri="{9D8B030D-6E8A-4147-A177-3AD203B41FA5}">
+                      <a16:colId xmlns:a16="http://schemas.microsoft.com/office/drawing/2014/main" val="3095632678"/>
+                    </a:ext>
+                  </a:extLst>
+                </a:gridCol>
+              </a:tblGrid>
+              <a:tr h="370840">
+                <a:tc>
+                  <a:txBody>
+                    <a:bodyPr/>
+                    <a:lstStyle/>
+                    <a:p>
+                      <a:r>
+                        <a:rPr lang="en-US" altLang="zh-CN" dirty="0"/>
+                        <a:t>state</a:t>
+                      </a:r>
+                      <a:endParaRPr lang="zh-CN" altLang="en-US" dirty="0"/>
+                    </a:p>
+                  </a:txBody>
+                  <a:tcPr/>
+                </a:tc>
+                <a:tc>
+                  <a:txBody>
+                    <a:bodyPr/>
+                    <a:lstStyle/>
+                    <a:p>
+                      <a:r>
+                        <a:rPr lang="en-US" altLang="zh-CN" dirty="0"/>
+                        <a:t>Max entropy</a:t>
+                      </a:r>
+                      <a:endParaRPr lang="zh-CN" altLang="en-US" dirty="0"/>
+                    </a:p>
+                  </a:txBody>
+                  <a:tcPr/>
+                </a:tc>
+                <a:tc>
+                  <a:txBody>
+                    <a:bodyPr/>
+                    <a:lstStyle/>
+                    <a:p>
+                      <a:r>
+                        <a:rPr lang="en-US" altLang="zh-CN" dirty="0"/>
+                        <a:t>Time(ns)</a:t>
+                      </a:r>
+                      <a:endParaRPr lang="zh-CN" altLang="en-US" dirty="0"/>
+                    </a:p>
+                  </a:txBody>
+                  <a:tcPr/>
+                </a:tc>
+                <a:extLst>
+                  <a:ext uri="{0D108BD9-81ED-4DB2-BD59-A6C34878D82A}">
+                    <a16:rowId xmlns:a16="http://schemas.microsoft.com/office/drawing/2014/main" val="2086904739"/>
+                  </a:ext>
+                </a:extLst>
+              </a:tr>
+              <a:tr h="370840">
+                <a:tc>
+                  <a:txBody>
+                    <a:bodyPr/>
+                    <a:lstStyle/>
+                    <a:p>
+                      <a:r>
+                        <a:rPr lang="en-US" altLang="zh-CN" dirty="0">
+                          <a:solidFill>
+                            <a:srgbClr val="FF0000"/>
+                          </a:solidFill>
+                        </a:rPr>
+                        <a:t>[+,-,+,+,+,+]</a:t>
+                      </a:r>
+                      <a:endParaRPr lang="zh-CN" altLang="en-US" dirty="0">
+                        <a:solidFill>
+                          <a:srgbClr val="FF0000"/>
+                        </a:solidFill>
+                      </a:endParaRPr>
+                    </a:p>
+                  </a:txBody>
+                  <a:tcPr/>
+                </a:tc>
+                <a:tc>
+                  <a:txBody>
+                    <a:bodyPr/>
+                    <a:lstStyle/>
+                    <a:p>
+                      <a:r>
+                        <a:rPr lang="en-US" altLang="zh-CN" dirty="0">
+                          <a:solidFill>
+                            <a:srgbClr val="FF0000"/>
+                          </a:solidFill>
+                        </a:rPr>
+                        <a:t>57.182</a:t>
+                      </a:r>
+                      <a:endParaRPr lang="zh-CN" altLang="en-US" dirty="0">
+                        <a:solidFill>
+                          <a:srgbClr val="FF0000"/>
+                        </a:solidFill>
+                      </a:endParaRPr>
+                    </a:p>
+                  </a:txBody>
+                  <a:tcPr/>
+                </a:tc>
+                <a:tc>
+                  <a:txBody>
+                    <a:bodyPr/>
+                    <a:lstStyle/>
+                    <a:p>
+                      <a:r>
+                        <a:rPr lang="en-US" altLang="zh-CN" dirty="0">
+                          <a:solidFill>
+                            <a:srgbClr val="FF0000"/>
+                          </a:solidFill>
+                        </a:rPr>
+                        <a:t>28</a:t>
+                      </a:r>
+                      <a:endParaRPr lang="zh-CN" altLang="en-US" dirty="0">
+                        <a:solidFill>
+                          <a:srgbClr val="FF0000"/>
+                        </a:solidFill>
+                      </a:endParaRPr>
+                    </a:p>
+                  </a:txBody>
+                  <a:tcPr/>
+                </a:tc>
+                <a:extLst>
+                  <a:ext uri="{0D108BD9-81ED-4DB2-BD59-A6C34878D82A}">
+                    <a16:rowId xmlns:a16="http://schemas.microsoft.com/office/drawing/2014/main" val="3316085972"/>
+                  </a:ext>
+                </a:extLst>
+              </a:tr>
+              <a:tr h="370840">
+                <a:tc>
+                  <a:txBody>
+                    <a:bodyPr/>
+                    <a:lstStyle/>
+                    <a:p>
+                      <a:r>
+                        <a:rPr lang="en-US" altLang="zh-CN" dirty="0">
+                          <a:solidFill>
+                            <a:srgbClr val="FF0000"/>
+                          </a:solidFill>
+                        </a:rPr>
+                        <a:t>[-,+,-,-,-,-]</a:t>
+                      </a:r>
+                      <a:endParaRPr lang="zh-CN" altLang="en-US" dirty="0">
+                        <a:solidFill>
+                          <a:srgbClr val="FF0000"/>
+                        </a:solidFill>
+                      </a:endParaRPr>
+                    </a:p>
+                  </a:txBody>
+                  <a:tcPr/>
+                </a:tc>
+                <a:tc>
+                  <a:txBody>
+                    <a:bodyPr/>
+                    <a:lstStyle/>
+                    <a:p>
+                      <a:r>
+                        <a:rPr lang="en-US" altLang="zh-CN" dirty="0">
+                          <a:solidFill>
+                            <a:srgbClr val="FF0000"/>
+                          </a:solidFill>
+                        </a:rPr>
+                        <a:t>57.182</a:t>
+                      </a:r>
+                      <a:endParaRPr lang="zh-CN" altLang="en-US" dirty="0">
+                        <a:solidFill>
+                          <a:srgbClr val="FF0000"/>
+                        </a:solidFill>
+                      </a:endParaRPr>
+                    </a:p>
+                  </a:txBody>
+                  <a:tcPr/>
+                </a:tc>
+                <a:tc>
+                  <a:txBody>
+                    <a:bodyPr/>
+                    <a:lstStyle/>
+                    <a:p>
+                      <a:r>
+                        <a:rPr lang="en-US" altLang="zh-CN" dirty="0">
+                          <a:solidFill>
+                            <a:srgbClr val="FF0000"/>
+                          </a:solidFill>
+                        </a:rPr>
+                        <a:t>28</a:t>
+                      </a:r>
+                      <a:endParaRPr lang="zh-CN" altLang="en-US" dirty="0">
+                        <a:solidFill>
+                          <a:srgbClr val="FF0000"/>
+                        </a:solidFill>
+                      </a:endParaRPr>
+                    </a:p>
+                  </a:txBody>
+                  <a:tcPr/>
+                </a:tc>
+                <a:extLst>
+                  <a:ext uri="{0D108BD9-81ED-4DB2-BD59-A6C34878D82A}">
+                    <a16:rowId xmlns:a16="http://schemas.microsoft.com/office/drawing/2014/main" val="612804528"/>
+                  </a:ext>
+                </a:extLst>
+              </a:tr>
+              <a:tr h="370840">
+                <a:tc>
+                  <a:txBody>
+                    <a:bodyPr/>
+                    <a:lstStyle/>
+                    <a:p>
+                      <a:r>
+                        <a:rPr lang="en-US" altLang="zh-CN" dirty="0"/>
+                        <a:t>[-,+,+,+,+,+]</a:t>
+                      </a:r>
+                      <a:endParaRPr lang="zh-CN" altLang="en-US" dirty="0"/>
+                    </a:p>
+                  </a:txBody>
+                  <a:tcPr/>
+                </a:tc>
+                <a:tc>
+                  <a:txBody>
+                    <a:bodyPr/>
+                    <a:lstStyle/>
+                    <a:p>
+                      <a:r>
+                        <a:rPr lang="en-US" altLang="zh-CN" dirty="0"/>
+                        <a:t>54.316</a:t>
+                      </a:r>
+                      <a:endParaRPr lang="zh-CN" altLang="en-US" dirty="0"/>
+                    </a:p>
+                  </a:txBody>
+                  <a:tcPr/>
+                </a:tc>
+                <a:tc>
+                  <a:txBody>
+                    <a:bodyPr/>
+                    <a:lstStyle/>
+                    <a:p>
+                      <a:r>
+                        <a:rPr lang="en-US" altLang="zh-CN" dirty="0"/>
+                        <a:t>30.666</a:t>
+                      </a:r>
+                      <a:endParaRPr lang="zh-CN" altLang="en-US" dirty="0"/>
+                    </a:p>
+                  </a:txBody>
+                  <a:tcPr/>
+                </a:tc>
+                <a:extLst>
+                  <a:ext uri="{0D108BD9-81ED-4DB2-BD59-A6C34878D82A}">
+                    <a16:rowId xmlns:a16="http://schemas.microsoft.com/office/drawing/2014/main" val="149569763"/>
+                  </a:ext>
+                </a:extLst>
+              </a:tr>
+              <a:tr h="370840">
+                <a:tc>
+                  <a:txBody>
+                    <a:bodyPr/>
+                    <a:lstStyle/>
+                    <a:p>
+                      <a:r>
+                        <a:rPr lang="en-US" altLang="zh-CN" dirty="0"/>
+                        <a:t>[+,+,-,+,+,+]</a:t>
+                      </a:r>
+                      <a:endParaRPr lang="zh-CN" altLang="en-US" dirty="0"/>
+                    </a:p>
+                  </a:txBody>
+                  <a:tcPr/>
+                </a:tc>
+                <a:tc>
+                  <a:txBody>
+                    <a:bodyPr/>
+                    <a:lstStyle/>
+                    <a:p>
+                      <a:r>
+                        <a:rPr lang="en-US" altLang="zh-CN" dirty="0"/>
+                        <a:t>56.907</a:t>
+                      </a:r>
+                      <a:endParaRPr lang="zh-CN" altLang="en-US" dirty="0"/>
+                    </a:p>
+                  </a:txBody>
+                  <a:tcPr/>
+                </a:tc>
+                <a:tc>
+                  <a:txBody>
+                    <a:bodyPr/>
+                    <a:lstStyle/>
+                    <a:p>
+                      <a:r>
+                        <a:rPr lang="en-US" altLang="zh-CN" dirty="0"/>
+                        <a:t>38.666</a:t>
+                      </a:r>
+                      <a:endParaRPr lang="zh-CN" altLang="en-US" dirty="0"/>
+                    </a:p>
+                  </a:txBody>
+                  <a:tcPr/>
+                </a:tc>
+                <a:extLst>
+                  <a:ext uri="{0D108BD9-81ED-4DB2-BD59-A6C34878D82A}">
+                    <a16:rowId xmlns:a16="http://schemas.microsoft.com/office/drawing/2014/main" val="2265884780"/>
+                  </a:ext>
+                </a:extLst>
+              </a:tr>
+              <a:tr h="370840">
+                <a:tc>
+                  <a:txBody>
+                    <a:bodyPr/>
+                    <a:lstStyle/>
+                    <a:p>
+                      <a:r>
+                        <a:rPr lang="en-US" altLang="zh-CN" dirty="0"/>
+                        <a:t>[-,-,+,+,+,+]</a:t>
+                      </a:r>
+                      <a:endParaRPr lang="zh-CN" altLang="en-US" dirty="0"/>
+                    </a:p>
+                  </a:txBody>
+                  <a:tcPr/>
+                </a:tc>
+                <a:tc>
+                  <a:txBody>
+                    <a:bodyPr/>
+                    <a:lstStyle/>
+                    <a:p>
+                      <a:r>
+                        <a:rPr lang="en-US" altLang="zh-CN" dirty="0"/>
+                        <a:t>53.677</a:t>
+                      </a:r>
+                      <a:endParaRPr lang="zh-CN" altLang="en-US" dirty="0"/>
+                    </a:p>
+                  </a:txBody>
+                  <a:tcPr/>
+                </a:tc>
+                <a:tc>
+                  <a:txBody>
+                    <a:bodyPr/>
+                    <a:lstStyle/>
+                    <a:p>
+                      <a:r>
+                        <a:rPr lang="en-US" altLang="zh-CN" dirty="0"/>
+                        <a:t>25.333</a:t>
+                      </a:r>
+                      <a:endParaRPr lang="zh-CN" altLang="en-US" dirty="0"/>
+                    </a:p>
+                  </a:txBody>
+                  <a:tcPr/>
+                </a:tc>
+                <a:extLst>
+                  <a:ext uri="{0D108BD9-81ED-4DB2-BD59-A6C34878D82A}">
+                    <a16:rowId xmlns:a16="http://schemas.microsoft.com/office/drawing/2014/main" val="663193422"/>
+                  </a:ext>
+                </a:extLst>
+              </a:tr>
+              <a:tr h="370840">
+                <a:tc>
+                  <a:txBody>
+                    <a:bodyPr/>
+                    <a:lstStyle/>
+                    <a:p>
+                      <a:r>
+                        <a:rPr lang="en-US" altLang="zh-CN" dirty="0"/>
+                        <a:t>[+,-,+,+,-,+]</a:t>
+                      </a:r>
+                      <a:endParaRPr lang="zh-CN" altLang="en-US" dirty="0"/>
+                    </a:p>
+                  </a:txBody>
+                  <a:tcPr/>
+                </a:tc>
+                <a:tc>
+                  <a:txBody>
+                    <a:bodyPr/>
+                    <a:lstStyle/>
+                    <a:p>
+                      <a:r>
+                        <a:rPr lang="en-US" altLang="zh-CN" dirty="0"/>
+                        <a:t>54.721</a:t>
+                      </a:r>
+                      <a:endParaRPr lang="zh-CN" altLang="en-US" dirty="0"/>
+                    </a:p>
+                  </a:txBody>
+                  <a:tcPr/>
+                </a:tc>
+                <a:tc>
+                  <a:txBody>
+                    <a:bodyPr/>
+                    <a:lstStyle/>
+                    <a:p>
+                      <a:r>
+                        <a:rPr lang="en-US" altLang="zh-CN" dirty="0"/>
+                        <a:t>36</a:t>
+                      </a:r>
+                      <a:endParaRPr lang="zh-CN" altLang="en-US" dirty="0"/>
+                    </a:p>
+                  </a:txBody>
+                  <a:tcPr/>
+                </a:tc>
+                <a:extLst>
+                  <a:ext uri="{0D108BD9-81ED-4DB2-BD59-A6C34878D82A}">
+                    <a16:rowId xmlns:a16="http://schemas.microsoft.com/office/drawing/2014/main" val="82492337"/>
+                  </a:ext>
+                </a:extLst>
+              </a:tr>
+            </a:tbl>
+          </a:graphicData>
+        </a:graphic>
+      </p:graphicFrame>
+      <p:pic>
+        <p:nvPicPr>
+          <p:cNvPr id="6" name="图片 5">
+            <a:extLst>
+              <a:ext uri="{FF2B5EF4-FFF2-40B4-BE49-F238E27FC236}">
+                <a16:creationId xmlns:a16="http://schemas.microsoft.com/office/drawing/2014/main" id="{360B540B-B2F4-4E3E-9F7A-830CECE12C8D}"/>
+              </a:ext>
+            </a:extLst>
+          </p:cNvPr>
+          <p:cNvPicPr>
+            <a:picLocks noChangeAspect="1"/>
+          </p:cNvPicPr>
+          <p:nvPr/>
+        </p:nvPicPr>
+        <p:blipFill>
+          <a:blip r:embed="rId2">
+            <a:extLst>
+              <a:ext uri="{28A0092B-C50C-407E-A947-70E740481C1C}">
+                <a14:useLocalDpi xmlns:a14="http://schemas.microsoft.com/office/drawing/2010/main" val="0"/>
+              </a:ext>
+            </a:extLst>
+          </a:blip>
+          <a:stretch>
+            <a:fillRect/>
+          </a:stretch>
+        </p:blipFill>
+        <p:spPr>
+          <a:xfrm>
+            <a:off x="1465402" y="4118512"/>
+            <a:ext cx="3550482" cy="2662862"/>
+          </a:xfrm>
+          <a:prstGeom prst="rect">
+            <a:avLst/>
+          </a:prstGeom>
+        </p:spPr>
+      </p:pic>
+      <p:pic>
+        <p:nvPicPr>
+          <p:cNvPr id="8" name="图片 7">
+            <a:extLst>
+              <a:ext uri="{FF2B5EF4-FFF2-40B4-BE49-F238E27FC236}">
+                <a16:creationId xmlns:a16="http://schemas.microsoft.com/office/drawing/2014/main" id="{B3EBE7CF-88B4-432A-9743-0AACDAB61961}"/>
+              </a:ext>
+            </a:extLst>
+          </p:cNvPr>
+          <p:cNvPicPr>
+            <a:picLocks noChangeAspect="1"/>
+          </p:cNvPicPr>
+          <p:nvPr/>
+        </p:nvPicPr>
+        <p:blipFill>
+          <a:blip r:embed="rId3">
+            <a:extLst>
+              <a:ext uri="{28A0092B-C50C-407E-A947-70E740481C1C}">
+                <a14:useLocalDpi xmlns:a14="http://schemas.microsoft.com/office/drawing/2010/main" val="0"/>
+              </a:ext>
+            </a:extLst>
+          </a:blip>
+          <a:stretch>
+            <a:fillRect/>
+          </a:stretch>
+        </p:blipFill>
+        <p:spPr>
+          <a:xfrm>
+            <a:off x="7176118" y="4195138"/>
+            <a:ext cx="3550482" cy="2662862"/>
+          </a:xfrm>
+          <a:prstGeom prst="rect">
+            <a:avLst/>
+          </a:prstGeom>
+        </p:spPr>
+      </p:pic>
+    </p:spTree>
+    <p:extLst>
+      <p:ext uri="{BB962C8B-B14F-4D97-AF65-F5344CB8AC3E}">
+        <p14:creationId xmlns:p14="http://schemas.microsoft.com/office/powerpoint/2010/main" val="3187413415"/>
+      </p:ext>
+    </p:extLst>
+  </p:cSld>
+  <p:clrMapOvr>
+    <a:masterClrMapping/>
+  </p:clrMapOvr>
+</p:sld>
+</file>
+
+<file path=ppt/slides/slide11.xml><?xml version="1.0" encoding="utf-8"?>
+<p:sld xmlns:a="http://schemas.openxmlformats.org/drawingml/2006/main" xmlns:r="http://schemas.openxmlformats.org/officeDocument/2006/relationships" xmlns:p="http://schemas.openxmlformats.org/presentationml/2006/main">
+  <p:cSld>
+    <p:spTree>
+      <p:nvGrpSpPr>
+        <p:cNvPr id="1" name=""/>
+        <p:cNvGrpSpPr/>
+        <p:nvPr/>
+      </p:nvGrpSpPr>
+      <p:grpSpPr>
+        <a:xfrm>
+          <a:off x="0" y="0"/>
+          <a:ext cx="0" cy="0"/>
+          <a:chOff x="0" y="0"/>
+          <a:chExt cx="0" cy="0"/>
+        </a:xfrm>
+      </p:grpSpPr>
+      <p:sp>
+        <p:nvSpPr>
+          <p:cNvPr id="2" name="标题 1">
+            <a:extLst>
+              <a:ext uri="{FF2B5EF4-FFF2-40B4-BE49-F238E27FC236}">
+                <a16:creationId xmlns:a16="http://schemas.microsoft.com/office/drawing/2014/main" id="{8A1459E0-0559-404A-A8D7-066DB3EFAA06}"/>
+              </a:ext>
+            </a:extLst>
+          </p:cNvPr>
+          <p:cNvSpPr>
+            <a:spLocks noGrp="1"/>
+          </p:cNvSpPr>
+          <p:nvPr>
+            <p:ph type="title"/>
+          </p:nvPr>
+        </p:nvSpPr>
+        <p:spPr/>
+        <p:txBody>
+          <a:bodyPr/>
+          <a:lstStyle/>
+          <a:p>
+            <a:pPr algn="ctr"/>
+            <a:r>
+              <a:rPr lang="zh-CN" altLang="en-US" dirty="0"/>
+              <a:t>总结和猜想</a:t>
+            </a:r>
+          </a:p>
+        </p:txBody>
+      </p:sp>
+      <mc:AlternateContent xmlns:mc="http://schemas.openxmlformats.org/markup-compatibility/2006">
+        <mc:Choice xmlns:a14="http://schemas.microsoft.com/office/drawing/2010/main" Requires="a14">
+          <p:sp>
+            <p:nvSpPr>
+              <p:cNvPr id="3" name="内容占位符 2">
+                <a:extLst>
+                  <a:ext uri="{FF2B5EF4-FFF2-40B4-BE49-F238E27FC236}">
+                    <a16:creationId xmlns:a16="http://schemas.microsoft.com/office/drawing/2014/main" id="{73A08937-CF24-4CFB-AA68-87D1D40D1923}"/>
+                  </a:ext>
+                </a:extLst>
+              </p:cNvPr>
+              <p:cNvSpPr>
+                <a:spLocks noGrp="1"/>
+              </p:cNvSpPr>
+              <p:nvPr>
+                <p:ph idx="1"/>
+              </p:nvPr>
+            </p:nvSpPr>
+            <p:spPr/>
+            <p:txBody>
+              <a:bodyPr/>
+              <a:lstStyle/>
+              <a:p>
+                <a:r>
+                  <a:rPr lang="zh-CN" altLang="en-US" dirty="0"/>
+                  <a:t>结论</a:t>
+                </a:r>
+                <a:r>
+                  <a:rPr lang="en-US" altLang="zh-CN" dirty="0"/>
+                  <a:t>:</a:t>
+                </a:r>
+              </a:p>
+              <a:p>
+                <a:pPr lvl="1"/>
+                <a:r>
+                  <a:rPr lang="zh-CN" altLang="en-US" dirty="0"/>
+                  <a:t>初态</a:t>
+                </a:r>
+                <a:r>
+                  <a:rPr lang="en-US" altLang="zh-CN" dirty="0"/>
+                  <a:t>:</a:t>
+                </a:r>
+                <a:r>
+                  <a:rPr lang="zh-CN" altLang="en-US" dirty="0"/>
+                  <a:t>初态为</a:t>
+                </a:r>
+                <a:r>
+                  <a:rPr lang="en-US" altLang="zh-CN" dirty="0"/>
+                  <a:t>+,-</a:t>
+                </a:r>
+                <a:r>
+                  <a:rPr lang="zh-CN" altLang="en-US" dirty="0"/>
+                  <a:t>态的组合</a:t>
+                </a:r>
+                <a:r>
+                  <a:rPr lang="en-US" altLang="zh-CN" dirty="0"/>
+                  <a:t>,</a:t>
+                </a:r>
+                <a:r>
+                  <a:rPr lang="zh-CN" altLang="en-US" dirty="0"/>
+                  <a:t>一般比为</a:t>
+                </a:r>
+                <a:r>
+                  <a:rPr lang="en-US" altLang="zh-CN" dirty="0"/>
+                  <a:t>0,1</a:t>
+                </a:r>
+                <a:r>
+                  <a:rPr lang="zh-CN" altLang="en-US" dirty="0"/>
+                  <a:t>态的组合</a:t>
+                </a:r>
+                <a:r>
+                  <a:rPr lang="en-US" altLang="zh-CN" dirty="0"/>
+                  <a:t>,</a:t>
+                </a:r>
+                <a:r>
+                  <a:rPr lang="zh-CN" altLang="en-US" dirty="0"/>
+                  <a:t>结果更好</a:t>
+                </a:r>
+                <a:r>
+                  <a:rPr lang="en-US" altLang="zh-CN" dirty="0"/>
+                  <a:t>.</a:t>
+                </a:r>
+              </a:p>
+              <a:p>
+                <a:pPr lvl="1"/>
+                <a:r>
+                  <a:rPr lang="zh-CN" altLang="en-US" dirty="0"/>
+                  <a:t>初态</a:t>
+                </a:r>
+                <a:r>
+                  <a:rPr lang="en-US" altLang="zh-CN" dirty="0"/>
+                  <a:t>:</a:t>
+                </a:r>
+                <a:r>
+                  <a:rPr lang="zh-CN" altLang="en-US" dirty="0"/>
+                  <a:t>初态</a:t>
+                </a:r>
+                <a:r>
+                  <a:rPr lang="en-US" altLang="zh-CN" dirty="0"/>
+                  <a:t>S</a:t>
+                </a:r>
+                <a:r>
+                  <a:rPr lang="zh-CN" altLang="en-US" dirty="0"/>
+                  <a:t>和它的反</a:t>
+                </a:r>
+                <a14:m>
+                  <m:oMath xmlns:m="http://schemas.openxmlformats.org/officeDocument/2006/math">
+                    <m:acc>
+                      <m:accPr>
+                        <m:chr m:val="̅"/>
+                        <m:ctrlPr>
+                          <a:rPr lang="zh-CN" altLang="en-US" i="1" smtClean="0">
+                            <a:latin typeface="Cambria Math" panose="02040503050406030204" pitchFamily="18" charset="0"/>
+                          </a:rPr>
+                        </m:ctrlPr>
+                      </m:accPr>
+                      <m:e>
+                        <m:r>
+                          <m:rPr>
+                            <m:sty m:val="p"/>
+                          </m:rPr>
+                          <a:rPr lang="en-US" altLang="zh-CN" i="1" smtClean="0">
+                            <a:latin typeface="Cambria Math" panose="02040503050406030204" pitchFamily="18" charset="0"/>
+                          </a:rPr>
+                          <m:t>S</m:t>
+                        </m:r>
+                      </m:e>
+                    </m:acc>
+                    <m:r>
+                      <a:rPr lang="zh-CN" altLang="en-US" i="1" smtClean="0">
+                        <a:latin typeface="Cambria Math" panose="02040503050406030204" pitchFamily="18" charset="0"/>
+                      </a:rPr>
+                      <m:t>(</m:t>
+                    </m:r>
+                  </m:oMath>
+                </a14:m>
+                <a:r>
+                  <a:rPr lang="zh-CN" altLang="en-US" dirty="0"/>
+                  <a:t>即</a:t>
+                </a:r>
+                <a:r>
+                  <a:rPr lang="en-US" altLang="zh-CN" dirty="0"/>
+                  <a:t>+</a:t>
+                </a:r>
+                <a:r>
+                  <a:rPr lang="zh-CN" altLang="en-US" dirty="0"/>
+                  <a:t>→</a:t>
+                </a:r>
+                <a:r>
+                  <a:rPr lang="en-US" altLang="zh-CN" dirty="0"/>
+                  <a:t>-,-</a:t>
+                </a:r>
+                <a:r>
+                  <a:rPr lang="zh-CN" altLang="en-US" dirty="0"/>
+                  <a:t> → ＋</a:t>
+                </a:r>
+                <a:r>
+                  <a:rPr lang="en-US" altLang="zh-CN" dirty="0"/>
+                  <a:t>,0</a:t>
+                </a:r>
+                <a:r>
+                  <a:rPr lang="zh-CN" altLang="en-US" dirty="0"/>
+                  <a:t> →</a:t>
+                </a:r>
+                <a:r>
+                  <a:rPr lang="en-US" altLang="zh-CN" dirty="0"/>
+                  <a:t>1,1</a:t>
+                </a:r>
+                <a:r>
+                  <a:rPr lang="zh-CN" altLang="en-US" dirty="0"/>
+                  <a:t> →</a:t>
+                </a:r>
+                <a:r>
+                  <a:rPr lang="en-US" altLang="zh-CN" dirty="0"/>
+                  <a:t>0)</a:t>
+                </a:r>
+                <a:r>
+                  <a:rPr lang="zh-CN" altLang="en-US" dirty="0"/>
+                  <a:t>演化过程相同</a:t>
+                </a:r>
+                <a:endParaRPr lang="en-US" altLang="zh-CN" dirty="0"/>
+              </a:p>
+              <a:p>
+                <a:pPr lvl="1"/>
+                <a:r>
+                  <a:rPr lang="zh-CN" altLang="en-US" dirty="0"/>
+                  <a:t>时间</a:t>
+                </a:r>
+                <a:r>
+                  <a:rPr lang="en-US" altLang="zh-CN" dirty="0"/>
+                  <a:t>:</a:t>
+                </a:r>
+                <a:r>
+                  <a:rPr lang="zh-CN" altLang="en-US" dirty="0"/>
+                  <a:t>到达最高纠缠的时间点</a:t>
+                </a:r>
+                <a:r>
+                  <a:rPr lang="en-US" altLang="zh-CN" dirty="0"/>
+                  <a:t>,</a:t>
+                </a:r>
+                <a:r>
+                  <a:rPr lang="zh-CN" altLang="en-US" dirty="0"/>
+                  <a:t>没有具体的规律</a:t>
+                </a:r>
+                <a:r>
+                  <a:rPr lang="en-US" altLang="zh-CN" dirty="0"/>
+                  <a:t>.</a:t>
+                </a:r>
+                <a:r>
+                  <a:rPr lang="zh-CN" altLang="en-US" dirty="0"/>
+                  <a:t>但将奇数</a:t>
+                </a:r>
+                <a:r>
+                  <a:rPr lang="en-US" altLang="zh-CN" dirty="0"/>
+                  <a:t>,</a:t>
+                </a:r>
+                <a:r>
+                  <a:rPr lang="zh-CN" altLang="en-US" dirty="0"/>
+                  <a:t>偶数比特分开看</a:t>
+                </a:r>
+                <a:r>
+                  <a:rPr lang="en-US" altLang="zh-CN" dirty="0"/>
+                  <a:t>,</a:t>
+                </a:r>
+                <a:r>
+                  <a:rPr lang="zh-CN" altLang="en-US" dirty="0"/>
+                  <a:t>随着比特数的增大</a:t>
+                </a:r>
+                <a:r>
+                  <a:rPr lang="en-US" altLang="zh-CN" dirty="0"/>
+                  <a:t>,</a:t>
+                </a:r>
+                <a:r>
+                  <a:rPr lang="zh-CN" altLang="en-US" dirty="0"/>
+                  <a:t>最大纠缠时间点是缓慢增长的</a:t>
+                </a:r>
+                <a:endParaRPr lang="en-US" altLang="zh-CN" dirty="0"/>
+              </a:p>
+              <a:p>
+                <a:pPr lvl="1"/>
+                <a:r>
+                  <a:rPr lang="zh-CN" altLang="en-US" dirty="0"/>
+                  <a:t>在这种纠缠度量下</a:t>
+                </a:r>
+                <a:r>
+                  <a:rPr lang="en-US" altLang="zh-CN" dirty="0"/>
+                  <a:t>,</a:t>
+                </a:r>
+                <a:r>
+                  <a:rPr lang="zh-CN" altLang="en-US" dirty="0"/>
+                  <a:t>整个体系的最大纠缠</a:t>
+                </a:r>
+                <a14:m>
+                  <m:oMath xmlns:m="http://schemas.openxmlformats.org/officeDocument/2006/math">
+                    <m:sSub>
+                      <m:sSubPr>
+                        <m:ctrlPr>
+                          <a:rPr lang="en-US" altLang="zh-CN" i="1" dirty="0" smtClean="0">
+                            <a:latin typeface="Cambria Math" panose="02040503050406030204" pitchFamily="18" charset="0"/>
+                          </a:rPr>
+                        </m:ctrlPr>
+                      </m:sSubPr>
+                      <m:e>
+                        <m:r>
+                          <a:rPr lang="en-US" altLang="zh-CN" i="1" dirty="0">
+                            <a:latin typeface="Cambria Math" panose="02040503050406030204" pitchFamily="18" charset="0"/>
+                          </a:rPr>
+                          <m:t>𝐸</m:t>
+                        </m:r>
+                      </m:e>
+                      <m:sub>
+                        <m:r>
+                          <a:rPr lang="en-US" altLang="zh-CN" i="1" dirty="0">
+                            <a:latin typeface="Cambria Math" panose="02040503050406030204" pitchFamily="18" charset="0"/>
+                          </a:rPr>
+                          <m:t>𝑚𝑎𝑥</m:t>
+                        </m:r>
+                      </m:sub>
+                    </m:sSub>
+                  </m:oMath>
+                </a14:m>
+                <a:r>
+                  <a:rPr lang="zh-CN" altLang="en-US" dirty="0"/>
+                  <a:t>是大于</a:t>
+                </a:r>
+                <a:r>
+                  <a:rPr lang="en-US" altLang="zh-CN" dirty="0"/>
+                  <a:t>GHZ</a:t>
+                </a:r>
+                <a:r>
+                  <a:rPr lang="zh-CN" altLang="en-US" dirty="0"/>
+                  <a:t>态的纠缠</a:t>
+                </a:r>
+                <a14:m>
+                  <m:oMath xmlns:m="http://schemas.openxmlformats.org/officeDocument/2006/math">
+                    <m:sSub>
+                      <m:sSubPr>
+                        <m:ctrlPr>
+                          <a:rPr lang="en-US" altLang="zh-CN" i="1" dirty="0" smtClean="0">
+                            <a:latin typeface="Cambria Math" panose="02040503050406030204" pitchFamily="18" charset="0"/>
+                          </a:rPr>
+                        </m:ctrlPr>
+                      </m:sSubPr>
+                      <m:e>
+                        <m:r>
+                          <a:rPr lang="en-US" altLang="zh-CN" i="1" dirty="0">
+                            <a:latin typeface="Cambria Math" panose="02040503050406030204" pitchFamily="18" charset="0"/>
+                          </a:rPr>
+                          <m:t>𝐸</m:t>
+                        </m:r>
+                      </m:e>
+                      <m:sub>
+                        <m:r>
+                          <m:rPr>
+                            <m:sty m:val="p"/>
+                          </m:rPr>
+                          <a:rPr lang="en-US" altLang="zh-CN" i="1" dirty="0">
+                            <a:latin typeface="Cambria Math" panose="02040503050406030204" pitchFamily="18" charset="0"/>
+                          </a:rPr>
+                          <m:t>GHZ</m:t>
+                        </m:r>
+                      </m:sub>
+                    </m:sSub>
+                  </m:oMath>
+                </a14:m>
+                <a:endParaRPr lang="en-US" altLang="zh-CN" dirty="0"/>
+              </a:p>
+              <a:p>
+                <a:r>
+                  <a:rPr lang="zh-CN" altLang="en-US" dirty="0"/>
+                  <a:t>猜想</a:t>
+                </a:r>
+                <a:r>
+                  <a:rPr lang="en-US" altLang="zh-CN" dirty="0"/>
+                  <a:t>:</a:t>
+                </a:r>
+              </a:p>
+              <a:p>
+                <a:pPr lvl="1"/>
+                <a:r>
+                  <a:rPr lang="zh-CN" altLang="en-US" dirty="0"/>
+                  <a:t>最优初态</a:t>
+                </a:r>
+                <a:r>
+                  <a:rPr lang="en-US" altLang="zh-CN" dirty="0"/>
+                  <a:t>:</a:t>
+                </a:r>
+              </a:p>
+              <a:p>
+                <a:pPr lvl="2"/>
+                <a:r>
+                  <a:rPr lang="zh-CN" altLang="en-US" dirty="0"/>
+                  <a:t>奇数</a:t>
+                </a:r>
+                <a:r>
+                  <a:rPr lang="en-US" altLang="zh-CN" dirty="0"/>
+                  <a:t>:</a:t>
+                </a:r>
+                <a:r>
+                  <a:rPr lang="zh-CN" altLang="en-US" dirty="0"/>
+                  <a:t>两侧为</a:t>
+                </a:r>
+                <a:r>
+                  <a:rPr lang="en-US" altLang="zh-CN" dirty="0"/>
+                  <a:t>+,</a:t>
+                </a:r>
+                <a:r>
+                  <a:rPr lang="zh-CN" altLang="en-US" dirty="0"/>
+                  <a:t>中间全为</a:t>
+                </a:r>
+                <a:r>
+                  <a:rPr lang="en-US" altLang="zh-CN" dirty="0"/>
+                  <a:t>-(</a:t>
+                </a:r>
+                <a:r>
+                  <a:rPr lang="zh-CN" altLang="en-US" dirty="0"/>
+                  <a:t>例</a:t>
+                </a:r>
+                <a:r>
+                  <a:rPr lang="en-US" altLang="zh-CN" dirty="0"/>
+                  <a:t>:+---+)</a:t>
+                </a:r>
+              </a:p>
+              <a:p>
+                <a:pPr lvl="2"/>
+                <a:r>
+                  <a:rPr lang="zh-CN" altLang="en-US" dirty="0"/>
+                  <a:t>偶数</a:t>
+                </a:r>
+                <a:r>
+                  <a:rPr lang="en-US" altLang="zh-CN" dirty="0"/>
+                  <a:t>:</a:t>
+                </a:r>
+                <a:r>
+                  <a:rPr lang="zh-CN" altLang="en-US" dirty="0"/>
+                  <a:t>除了</a:t>
+                </a:r>
+                <a:r>
+                  <a:rPr lang="en-US" altLang="zh-CN" dirty="0"/>
+                  <a:t>1/4</a:t>
+                </a:r>
+                <a:r>
+                  <a:rPr lang="zh-CN" altLang="en-US" dirty="0"/>
+                  <a:t>分位为</a:t>
+                </a:r>
+                <a:r>
+                  <a:rPr lang="en-US" altLang="zh-CN" dirty="0"/>
+                  <a:t>-</a:t>
+                </a:r>
+                <a:r>
+                  <a:rPr lang="zh-CN" altLang="en-US" dirty="0"/>
+                  <a:t>外</a:t>
+                </a:r>
+                <a:r>
+                  <a:rPr lang="en-US" altLang="zh-CN" dirty="0"/>
+                  <a:t>,</a:t>
+                </a:r>
+                <a:r>
+                  <a:rPr lang="zh-CN" altLang="en-US" dirty="0"/>
+                  <a:t>其余都为正</a:t>
+                </a:r>
+                <a:r>
+                  <a:rPr lang="en-US" altLang="zh-CN" dirty="0"/>
+                  <a:t>(</a:t>
+                </a:r>
+                <a:r>
+                  <a:rPr lang="zh-CN" altLang="en-US" dirty="0"/>
+                  <a:t>例</a:t>
+                </a:r>
+                <a:r>
+                  <a:rPr lang="en-US" altLang="zh-CN" dirty="0"/>
+                  <a:t>:+-++++)</a:t>
+                </a:r>
+              </a:p>
+              <a:p>
+                <a:pPr marL="457200" lvl="1" indent="0">
+                  <a:buNone/>
+                </a:pPr>
+                <a:endParaRPr lang="en-US" altLang="zh-CN" dirty="0"/>
+              </a:p>
+            </p:txBody>
+          </p:sp>
+        </mc:Choice>
+        <mc:Fallback>
+          <p:sp>
+            <p:nvSpPr>
+              <p:cNvPr id="3" name="内容占位符 2">
+                <a:extLst>
+                  <a:ext uri="{FF2B5EF4-FFF2-40B4-BE49-F238E27FC236}">
+                    <a16:creationId xmlns:a16="http://schemas.microsoft.com/office/drawing/2014/main" id="{73A08937-CF24-4CFB-AA68-87D1D40D1923}"/>
+                  </a:ext>
+                </a:extLst>
+              </p:cNvPr>
+              <p:cNvSpPr>
+                <a:spLocks noGrp="1" noRot="1" noChangeAspect="1" noMove="1" noResize="1" noEditPoints="1" noAdjustHandles="1" noChangeArrowheads="1" noChangeShapeType="1" noTextEdit="1"/>
+              </p:cNvSpPr>
+              <p:nvPr>
+                <p:ph idx="1"/>
+              </p:nvPr>
+            </p:nvSpPr>
+            <p:spPr>
+              <a:blipFill>
+                <a:blip r:embed="rId2"/>
+                <a:stretch>
+                  <a:fillRect l="-1043" t="-2521"/>
+                </a:stretch>
+              </a:blipFill>
+            </p:spPr>
+            <p:txBody>
+              <a:bodyPr/>
+              <a:lstStyle/>
+              <a:p>
+                <a:r>
+                  <a:rPr lang="zh-CN" altLang="en-US">
+                    <a:noFill/>
+                  </a:rPr>
+                  <a:t> </a:t>
+                </a:r>
+              </a:p>
+            </p:txBody>
+          </p:sp>
+        </mc:Fallback>
+      </mc:AlternateContent>
+    </p:spTree>
+    <p:extLst>
+      <p:ext uri="{BB962C8B-B14F-4D97-AF65-F5344CB8AC3E}">
+        <p14:creationId xmlns:p14="http://schemas.microsoft.com/office/powerpoint/2010/main" val="1119661988"/>
+      </p:ext>
+    </p:extLst>
+  </p:cSld>
+  <p:clrMapOvr>
+    <a:masterClrMapping/>
+  </p:clrMapOvr>
+</p:sld>
+</file>
+
+<file path=ppt/slides/slide12.xml><?xml version="1.0" encoding="utf-8"?>
+<p:sld xmlns:a="http://schemas.openxmlformats.org/drawingml/2006/main" xmlns:r="http://schemas.openxmlformats.org/officeDocument/2006/relationships" xmlns:p="http://schemas.openxmlformats.org/presentationml/2006/main">
+  <p:cSld>
+    <p:spTree>
+      <p:nvGrpSpPr>
+        <p:cNvPr id="1" name=""/>
+        <p:cNvGrpSpPr/>
+        <p:nvPr/>
+      </p:nvGrpSpPr>
+      <p:grpSpPr>
+        <a:xfrm>
+          <a:off x="0" y="0"/>
+          <a:ext cx="0" cy="0"/>
+          <a:chOff x="0" y="0"/>
+          <a:chExt cx="0" cy="0"/>
+        </a:xfrm>
+      </p:grpSpPr>
+      <p:sp>
+        <p:nvSpPr>
+          <p:cNvPr id="2" name="标题 1">
+            <a:extLst>
+              <a:ext uri="{FF2B5EF4-FFF2-40B4-BE49-F238E27FC236}">
+                <a16:creationId xmlns:a16="http://schemas.microsoft.com/office/drawing/2014/main" id="{F00D3880-09A2-40D6-A97C-25BAF83E1F2E}"/>
+              </a:ext>
+            </a:extLst>
+          </p:cNvPr>
+          <p:cNvSpPr>
+            <a:spLocks noGrp="1"/>
+          </p:cNvSpPr>
+          <p:nvPr>
+            <p:ph type="title"/>
+          </p:nvPr>
+        </p:nvSpPr>
+        <p:spPr/>
+        <p:txBody>
+          <a:bodyPr/>
+          <a:lstStyle/>
+          <a:p>
+            <a:pPr algn="ctr"/>
+            <a:r>
+              <a:rPr lang="en-US" altLang="zh-CN" dirty="0"/>
+              <a:t>2 qubits</a:t>
+            </a:r>
+            <a:endParaRPr lang="zh-CN" altLang="en-US" dirty="0"/>
+          </a:p>
+        </p:txBody>
+      </p:sp>
+      <p:pic>
+        <p:nvPicPr>
+          <p:cNvPr id="6" name="图片 5">
+            <a:extLst>
+              <a:ext uri="{FF2B5EF4-FFF2-40B4-BE49-F238E27FC236}">
+                <a16:creationId xmlns:a16="http://schemas.microsoft.com/office/drawing/2014/main" id="{955E6E08-AC5F-4A17-8E89-E2BC5D7779D8}"/>
+              </a:ext>
+            </a:extLst>
+          </p:cNvPr>
+          <p:cNvPicPr>
+            <a:picLocks noChangeAspect="1"/>
+          </p:cNvPicPr>
+          <p:nvPr/>
+        </p:nvPicPr>
+        <p:blipFill>
+          <a:blip r:embed="rId2">
+            <a:extLst>
+              <a:ext uri="{28A0092B-C50C-407E-A947-70E740481C1C}">
+                <a14:useLocalDpi xmlns:a14="http://schemas.microsoft.com/office/drawing/2010/main" val="0"/>
+              </a:ext>
+            </a:extLst>
+          </a:blip>
+          <a:stretch>
+            <a:fillRect/>
+          </a:stretch>
+        </p:blipFill>
+        <p:spPr>
+          <a:xfrm>
+            <a:off x="3232058" y="1690688"/>
+            <a:ext cx="5852172" cy="4389129"/>
+          </a:xfrm>
+          <a:prstGeom prst="rect">
+            <a:avLst/>
+          </a:prstGeom>
+        </p:spPr>
+      </p:pic>
+    </p:spTree>
+    <p:extLst>
+      <p:ext uri="{BB962C8B-B14F-4D97-AF65-F5344CB8AC3E}">
+        <p14:creationId xmlns:p14="http://schemas.microsoft.com/office/powerpoint/2010/main" val="184834080"/>
+      </p:ext>
+    </p:extLst>
+  </p:cSld>
+  <p:clrMapOvr>
+    <a:masterClrMapping/>
+  </p:clrMapOvr>
+</p:sld>
+</file>
+
+<file path=ppt/slides/slide13.xml><?xml version="1.0" encoding="utf-8"?>
+<p:sld xmlns:a="http://schemas.openxmlformats.org/drawingml/2006/main" xmlns:r="http://schemas.openxmlformats.org/officeDocument/2006/relationships" xmlns:p="http://schemas.openxmlformats.org/presentationml/2006/main">
+  <p:cSld>
+    <p:spTree>
+      <p:nvGrpSpPr>
+        <p:cNvPr id="1" name=""/>
+        <p:cNvGrpSpPr/>
+        <p:nvPr/>
+      </p:nvGrpSpPr>
+      <p:grpSpPr>
+        <a:xfrm>
+          <a:off x="0" y="0"/>
+          <a:ext cx="0" cy="0"/>
+          <a:chOff x="0" y="0"/>
+          <a:chExt cx="0" cy="0"/>
+        </a:xfrm>
+      </p:grpSpPr>
+      <p:sp>
+        <p:nvSpPr>
+          <p:cNvPr id="2" name="标题 1">
+            <a:extLst>
+              <a:ext uri="{FF2B5EF4-FFF2-40B4-BE49-F238E27FC236}">
+                <a16:creationId xmlns:a16="http://schemas.microsoft.com/office/drawing/2014/main" id="{91864361-C366-4D67-9897-C3DA1B2B278D}"/>
+              </a:ext>
+            </a:extLst>
+          </p:cNvPr>
+          <p:cNvSpPr>
+            <a:spLocks noGrp="1"/>
+          </p:cNvSpPr>
+          <p:nvPr>
+            <p:ph type="title"/>
+          </p:nvPr>
+        </p:nvSpPr>
+        <p:spPr/>
+        <p:txBody>
+          <a:bodyPr/>
+          <a:lstStyle/>
+          <a:p>
+            <a:pPr algn="ctr"/>
+            <a:r>
+              <a:rPr lang="en-US" altLang="zh-CN" dirty="0"/>
+              <a:t>3 qubits</a:t>
+            </a:r>
+            <a:endParaRPr lang="zh-CN" altLang="en-US" dirty="0"/>
+          </a:p>
+        </p:txBody>
+      </p:sp>
+      <p:pic>
+        <p:nvPicPr>
+          <p:cNvPr id="9" name="内容占位符 8">
+            <a:extLst>
+              <a:ext uri="{FF2B5EF4-FFF2-40B4-BE49-F238E27FC236}">
+                <a16:creationId xmlns:a16="http://schemas.microsoft.com/office/drawing/2014/main" id="{4D27F889-CC93-4AC6-859E-C57EBFD674E5}"/>
+              </a:ext>
+            </a:extLst>
+          </p:cNvPr>
+          <p:cNvPicPr>
+            <a:picLocks noGrp="1" noChangeAspect="1"/>
+          </p:cNvPicPr>
+          <p:nvPr>
+            <p:ph idx="1"/>
+          </p:nvPr>
+        </p:nvPicPr>
+        <p:blipFill>
+          <a:blip r:embed="rId2">
+            <a:extLst>
+              <a:ext uri="{28A0092B-C50C-407E-A947-70E740481C1C}">
+                <a14:useLocalDpi xmlns:a14="http://schemas.microsoft.com/office/drawing/2010/main" val="0"/>
+              </a:ext>
+            </a:extLst>
+          </a:blip>
+          <a:stretch>
+            <a:fillRect/>
+          </a:stretch>
+        </p:blipFill>
+        <p:spPr>
+          <a:xfrm>
+            <a:off x="1025576" y="1905524"/>
+            <a:ext cx="5070424" cy="3802818"/>
+          </a:xfrm>
+        </p:spPr>
+      </p:pic>
+      <p:pic>
+        <p:nvPicPr>
+          <p:cNvPr id="11" name="图片 10">
+            <a:extLst>
+              <a:ext uri="{FF2B5EF4-FFF2-40B4-BE49-F238E27FC236}">
+                <a16:creationId xmlns:a16="http://schemas.microsoft.com/office/drawing/2014/main" id="{37AE1977-C598-498D-8899-838255EAEB5B}"/>
+              </a:ext>
+            </a:extLst>
+          </p:cNvPr>
+          <p:cNvPicPr>
+            <a:picLocks noChangeAspect="1"/>
+          </p:cNvPicPr>
+          <p:nvPr/>
+        </p:nvPicPr>
+        <p:blipFill>
+          <a:blip r:embed="rId3">
+            <a:extLst>
+              <a:ext uri="{28A0092B-C50C-407E-A947-70E740481C1C}">
+                <a14:useLocalDpi xmlns:a14="http://schemas.microsoft.com/office/drawing/2010/main" val="0"/>
+              </a:ext>
+            </a:extLst>
+          </a:blip>
+          <a:stretch>
+            <a:fillRect/>
+          </a:stretch>
+        </p:blipFill>
+        <p:spPr>
+          <a:xfrm>
+            <a:off x="6096000" y="1905524"/>
+            <a:ext cx="5070424" cy="3802818"/>
+          </a:xfrm>
+          <a:prstGeom prst="rect">
+            <a:avLst/>
+          </a:prstGeom>
+        </p:spPr>
+      </p:pic>
+    </p:spTree>
+    <p:extLst>
+      <p:ext uri="{BB962C8B-B14F-4D97-AF65-F5344CB8AC3E}">
+        <p14:creationId xmlns:p14="http://schemas.microsoft.com/office/powerpoint/2010/main" val="866606791"/>
+      </p:ext>
+    </p:extLst>
+  </p:cSld>
+  <p:clrMapOvr>
+    <a:masterClrMapping/>
+  </p:clrMapOvr>
+</p:sld>
+</file>
+
+<file path=ppt/slides/slide14.xml><?xml version="1.0" encoding="utf-8"?>
+<p:sld xmlns:a="http://schemas.openxmlformats.org/drawingml/2006/main" xmlns:r="http://schemas.openxmlformats.org/officeDocument/2006/relationships" xmlns:p="http://schemas.openxmlformats.org/presentationml/2006/main">
+  <p:cSld>
+    <p:spTree>
+      <p:nvGrpSpPr>
+        <p:cNvPr id="1" name=""/>
+        <p:cNvGrpSpPr/>
+        <p:nvPr/>
+      </p:nvGrpSpPr>
+      <p:grpSpPr>
+        <a:xfrm>
+          <a:off x="0" y="0"/>
+          <a:ext cx="0" cy="0"/>
+          <a:chOff x="0" y="0"/>
+          <a:chExt cx="0" cy="0"/>
+        </a:xfrm>
+      </p:grpSpPr>
+      <p:sp>
+        <p:nvSpPr>
+          <p:cNvPr id="2" name="标题 1">
+            <a:extLst>
+              <a:ext uri="{FF2B5EF4-FFF2-40B4-BE49-F238E27FC236}">
+                <a16:creationId xmlns:a16="http://schemas.microsoft.com/office/drawing/2014/main" id="{91864361-C366-4D67-9897-C3DA1B2B278D}"/>
+              </a:ext>
+            </a:extLst>
+          </p:cNvPr>
+          <p:cNvSpPr>
+            <a:spLocks noGrp="1"/>
+          </p:cNvSpPr>
+          <p:nvPr>
+            <p:ph type="title"/>
+          </p:nvPr>
+        </p:nvSpPr>
+        <p:spPr/>
+        <p:txBody>
+          <a:bodyPr/>
+          <a:lstStyle/>
+          <a:p>
+            <a:pPr algn="ctr"/>
+            <a:r>
+              <a:rPr lang="en-US" altLang="zh-CN" dirty="0"/>
+              <a:t>4 qubits</a:t>
+            </a:r>
+            <a:endParaRPr lang="zh-CN" altLang="en-US" dirty="0"/>
+          </a:p>
+        </p:txBody>
+      </p:sp>
+      <p:pic>
+        <p:nvPicPr>
+          <p:cNvPr id="6" name="图片 5">
+            <a:extLst>
+              <a:ext uri="{FF2B5EF4-FFF2-40B4-BE49-F238E27FC236}">
+                <a16:creationId xmlns:a16="http://schemas.microsoft.com/office/drawing/2014/main" id="{08B73573-0D89-41F8-9C0F-5C542007C2F1}"/>
+              </a:ext>
+            </a:extLst>
+          </p:cNvPr>
+          <p:cNvPicPr>
+            <a:picLocks noChangeAspect="1"/>
+          </p:cNvPicPr>
+          <p:nvPr/>
+        </p:nvPicPr>
+        <p:blipFill>
+          <a:blip r:embed="rId2">
+            <a:extLst>
+              <a:ext uri="{28A0092B-C50C-407E-A947-70E740481C1C}">
+                <a14:useLocalDpi xmlns:a14="http://schemas.microsoft.com/office/drawing/2010/main" val="0"/>
+              </a:ext>
+            </a:extLst>
+          </a:blip>
+          <a:stretch>
+            <a:fillRect/>
+          </a:stretch>
+        </p:blipFill>
+        <p:spPr>
+          <a:xfrm>
+            <a:off x="1332236" y="1575278"/>
+            <a:ext cx="3222009" cy="2416507"/>
+          </a:xfrm>
+          <a:prstGeom prst="rect">
+            <a:avLst/>
+          </a:prstGeom>
+        </p:spPr>
+      </p:pic>
+      <p:pic>
+        <p:nvPicPr>
+          <p:cNvPr id="8" name="图片 7">
+            <a:extLst>
+              <a:ext uri="{FF2B5EF4-FFF2-40B4-BE49-F238E27FC236}">
+                <a16:creationId xmlns:a16="http://schemas.microsoft.com/office/drawing/2014/main" id="{9397306D-FC60-4F3C-B570-1D17C4977D44}"/>
+              </a:ext>
+            </a:extLst>
+          </p:cNvPr>
+          <p:cNvPicPr>
+            <a:picLocks noChangeAspect="1"/>
+          </p:cNvPicPr>
+          <p:nvPr/>
+        </p:nvPicPr>
+        <p:blipFill>
+          <a:blip r:embed="rId3">
+            <a:extLst>
+              <a:ext uri="{28A0092B-C50C-407E-A947-70E740481C1C}">
+                <a14:useLocalDpi xmlns:a14="http://schemas.microsoft.com/office/drawing/2010/main" val="0"/>
+              </a:ext>
+            </a:extLst>
+          </a:blip>
+          <a:stretch>
+            <a:fillRect/>
+          </a:stretch>
+        </p:blipFill>
+        <p:spPr>
+          <a:xfrm>
+            <a:off x="4554245" y="1575277"/>
+            <a:ext cx="3222010" cy="2416508"/>
+          </a:xfrm>
+          <a:prstGeom prst="rect">
+            <a:avLst/>
+          </a:prstGeom>
+        </p:spPr>
+      </p:pic>
+      <p:pic>
+        <p:nvPicPr>
+          <p:cNvPr id="12" name="图片 11">
+            <a:extLst>
+              <a:ext uri="{FF2B5EF4-FFF2-40B4-BE49-F238E27FC236}">
+                <a16:creationId xmlns:a16="http://schemas.microsoft.com/office/drawing/2014/main" id="{58C48787-129A-4EF9-99B7-727478F69C72}"/>
+              </a:ext>
+            </a:extLst>
+          </p:cNvPr>
+          <p:cNvPicPr>
+            <a:picLocks noChangeAspect="1"/>
+          </p:cNvPicPr>
+          <p:nvPr/>
+        </p:nvPicPr>
+        <p:blipFill>
+          <a:blip r:embed="rId4">
+            <a:extLst>
+              <a:ext uri="{28A0092B-C50C-407E-A947-70E740481C1C}">
+                <a14:useLocalDpi xmlns:a14="http://schemas.microsoft.com/office/drawing/2010/main" val="0"/>
+              </a:ext>
+            </a:extLst>
+          </a:blip>
+          <a:stretch>
+            <a:fillRect/>
+          </a:stretch>
+        </p:blipFill>
+        <p:spPr>
+          <a:xfrm>
+            <a:off x="7776254" y="1575277"/>
+            <a:ext cx="3222011" cy="2416508"/>
+          </a:xfrm>
+          <a:prstGeom prst="rect">
+            <a:avLst/>
+          </a:prstGeom>
+        </p:spPr>
+      </p:pic>
+      <p:pic>
+        <p:nvPicPr>
+          <p:cNvPr id="14" name="图片 13">
+            <a:extLst>
+              <a:ext uri="{FF2B5EF4-FFF2-40B4-BE49-F238E27FC236}">
+                <a16:creationId xmlns:a16="http://schemas.microsoft.com/office/drawing/2014/main" id="{C66C0F3F-F19E-44B3-ADDB-ABFB6B6327FC}"/>
+              </a:ext>
+            </a:extLst>
+          </p:cNvPr>
+          <p:cNvPicPr>
+            <a:picLocks noChangeAspect="1"/>
+          </p:cNvPicPr>
+          <p:nvPr/>
+        </p:nvPicPr>
+        <p:blipFill>
+          <a:blip r:embed="rId5">
+            <a:extLst>
+              <a:ext uri="{28A0092B-C50C-407E-A947-70E740481C1C}">
+                <a14:useLocalDpi xmlns:a14="http://schemas.microsoft.com/office/drawing/2010/main" val="0"/>
+              </a:ext>
+            </a:extLst>
+          </a:blip>
+          <a:stretch>
+            <a:fillRect/>
+          </a:stretch>
+        </p:blipFill>
+        <p:spPr>
+          <a:xfrm>
+            <a:off x="1332236" y="3993683"/>
+            <a:ext cx="3222009" cy="2416507"/>
+          </a:xfrm>
+          <a:prstGeom prst="rect">
+            <a:avLst/>
+          </a:prstGeom>
+        </p:spPr>
+      </p:pic>
+      <p:pic>
+        <p:nvPicPr>
+          <p:cNvPr id="16" name="图片 15">
+            <a:extLst>
+              <a:ext uri="{FF2B5EF4-FFF2-40B4-BE49-F238E27FC236}">
+                <a16:creationId xmlns:a16="http://schemas.microsoft.com/office/drawing/2014/main" id="{1BF962D5-960D-4E78-A466-0726C4FE8F3D}"/>
+              </a:ext>
+            </a:extLst>
+          </p:cNvPr>
+          <p:cNvPicPr>
+            <a:picLocks noChangeAspect="1"/>
+          </p:cNvPicPr>
+          <p:nvPr/>
+        </p:nvPicPr>
+        <p:blipFill>
+          <a:blip r:embed="rId6">
+            <a:extLst>
+              <a:ext uri="{28A0092B-C50C-407E-A947-70E740481C1C}">
+                <a14:useLocalDpi xmlns:a14="http://schemas.microsoft.com/office/drawing/2010/main" val="0"/>
+              </a:ext>
+            </a:extLst>
+          </a:blip>
+          <a:stretch>
+            <a:fillRect/>
+          </a:stretch>
+        </p:blipFill>
+        <p:spPr>
+          <a:xfrm>
+            <a:off x="4554245" y="3991785"/>
+            <a:ext cx="3222009" cy="2416507"/>
+          </a:xfrm>
+          <a:prstGeom prst="rect">
+            <a:avLst/>
+          </a:prstGeom>
+        </p:spPr>
+      </p:pic>
+      <p:pic>
+        <p:nvPicPr>
+          <p:cNvPr id="18" name="图片 17">
+            <a:extLst>
+              <a:ext uri="{FF2B5EF4-FFF2-40B4-BE49-F238E27FC236}">
+                <a16:creationId xmlns:a16="http://schemas.microsoft.com/office/drawing/2014/main" id="{FD4B5A7A-85F4-4291-9175-15D7F8F9D784}"/>
+              </a:ext>
+            </a:extLst>
+          </p:cNvPr>
+          <p:cNvPicPr>
+            <a:picLocks noChangeAspect="1"/>
+          </p:cNvPicPr>
+          <p:nvPr/>
+        </p:nvPicPr>
+        <p:blipFill>
+          <a:blip r:embed="rId7">
+            <a:extLst>
+              <a:ext uri="{28A0092B-C50C-407E-A947-70E740481C1C}">
+                <a14:useLocalDpi xmlns:a14="http://schemas.microsoft.com/office/drawing/2010/main" val="0"/>
+              </a:ext>
+            </a:extLst>
+          </a:blip>
+          <a:stretch>
+            <a:fillRect/>
+          </a:stretch>
+        </p:blipFill>
+        <p:spPr>
+          <a:xfrm>
+            <a:off x="7776254" y="3989887"/>
+            <a:ext cx="3222009" cy="2416507"/>
+          </a:xfrm>
+          <a:prstGeom prst="rect">
+            <a:avLst/>
+          </a:prstGeom>
+        </p:spPr>
+      </p:pic>
+    </p:spTree>
+    <p:extLst>
+      <p:ext uri="{BB962C8B-B14F-4D97-AF65-F5344CB8AC3E}">
+        <p14:creationId xmlns:p14="http://schemas.microsoft.com/office/powerpoint/2010/main" val="509408618"/>
+      </p:ext>
+    </p:extLst>
+  </p:cSld>
+  <p:clrMapOvr>
+    <a:masterClrMapping/>
+  </p:clrMapOvr>
+</p:sld>
+</file>
+
+<file path=ppt/slides/slide15.xml><?xml version="1.0" encoding="utf-8"?>
+<p:sld xmlns:a="http://schemas.openxmlformats.org/drawingml/2006/main" xmlns:r="http://schemas.openxmlformats.org/officeDocument/2006/relationships" xmlns:p="http://schemas.openxmlformats.org/presentationml/2006/main">
+  <p:cSld>
+    <p:spTree>
+      <p:nvGrpSpPr>
+        <p:cNvPr id="1" name=""/>
+        <p:cNvGrpSpPr/>
+        <p:nvPr/>
+      </p:nvGrpSpPr>
+      <p:grpSpPr>
+        <a:xfrm>
+          <a:off x="0" y="0"/>
+          <a:ext cx="0" cy="0"/>
+          <a:chOff x="0" y="0"/>
+          <a:chExt cx="0" cy="0"/>
+        </a:xfrm>
+      </p:grpSpPr>
+      <p:sp>
+        <p:nvSpPr>
+          <p:cNvPr id="2" name="标题 1">
+            <a:extLst>
+              <a:ext uri="{FF2B5EF4-FFF2-40B4-BE49-F238E27FC236}">
+                <a16:creationId xmlns:a16="http://schemas.microsoft.com/office/drawing/2014/main" id="{91864361-C366-4D67-9897-C3DA1B2B278D}"/>
+              </a:ext>
+            </a:extLst>
+          </p:cNvPr>
+          <p:cNvSpPr>
+            <a:spLocks noGrp="1"/>
+          </p:cNvSpPr>
+          <p:nvPr>
+            <p:ph type="title"/>
+          </p:nvPr>
+        </p:nvSpPr>
+        <p:spPr/>
+        <p:txBody>
+          <a:bodyPr/>
+          <a:lstStyle/>
+          <a:p>
+            <a:pPr algn="ctr"/>
+            <a:r>
+              <a:rPr lang="en-US" altLang="zh-CN" dirty="0"/>
+              <a:t>4 qubits</a:t>
+            </a:r>
+            <a:endParaRPr lang="zh-CN" altLang="en-US" dirty="0"/>
+          </a:p>
+        </p:txBody>
+      </p:sp>
+      <p:pic>
+        <p:nvPicPr>
+          <p:cNvPr id="4" name="图片 3">
+            <a:extLst>
+              <a:ext uri="{FF2B5EF4-FFF2-40B4-BE49-F238E27FC236}">
+                <a16:creationId xmlns:a16="http://schemas.microsoft.com/office/drawing/2014/main" id="{725696C4-62A9-42A3-A9F4-4474637DB8DE}"/>
+              </a:ext>
+            </a:extLst>
+          </p:cNvPr>
+          <p:cNvPicPr>
+            <a:picLocks noChangeAspect="1"/>
+          </p:cNvPicPr>
+          <p:nvPr/>
+        </p:nvPicPr>
+        <p:blipFill>
+          <a:blip r:embed="rId2">
+            <a:extLst>
+              <a:ext uri="{28A0092B-C50C-407E-A947-70E740481C1C}">
+                <a14:useLocalDpi xmlns:a14="http://schemas.microsoft.com/office/drawing/2010/main" val="0"/>
+              </a:ext>
+            </a:extLst>
+          </a:blip>
+          <a:stretch>
+            <a:fillRect/>
+          </a:stretch>
+        </p:blipFill>
+        <p:spPr>
+          <a:xfrm>
+            <a:off x="1509791" y="1272166"/>
+            <a:ext cx="3465248" cy="2598936"/>
+          </a:xfrm>
+          <a:prstGeom prst="rect">
+            <a:avLst/>
+          </a:prstGeom>
+        </p:spPr>
+      </p:pic>
+      <p:pic>
+        <p:nvPicPr>
+          <p:cNvPr id="6" name="图片 5">
+            <a:extLst>
+              <a:ext uri="{FF2B5EF4-FFF2-40B4-BE49-F238E27FC236}">
+                <a16:creationId xmlns:a16="http://schemas.microsoft.com/office/drawing/2014/main" id="{B350821E-3110-4EFC-A1F4-F17110181C0F}"/>
+              </a:ext>
+            </a:extLst>
+          </p:cNvPr>
+          <p:cNvPicPr>
+            <a:picLocks noChangeAspect="1"/>
+          </p:cNvPicPr>
+          <p:nvPr/>
+        </p:nvPicPr>
+        <p:blipFill>
+          <a:blip r:embed="rId3">
+            <a:extLst>
+              <a:ext uri="{28A0092B-C50C-407E-A947-70E740481C1C}">
+                <a14:useLocalDpi xmlns:a14="http://schemas.microsoft.com/office/drawing/2010/main" val="0"/>
+              </a:ext>
+            </a:extLst>
+          </a:blip>
+          <a:stretch>
+            <a:fillRect/>
+          </a:stretch>
+        </p:blipFill>
+        <p:spPr>
+          <a:xfrm>
+            <a:off x="7374387" y="1272165"/>
+            <a:ext cx="3465249" cy="2598937"/>
+          </a:xfrm>
+          <a:prstGeom prst="rect">
+            <a:avLst/>
+          </a:prstGeom>
+        </p:spPr>
+      </p:pic>
+      <p:pic>
+        <p:nvPicPr>
+          <p:cNvPr id="8" name="图片 7">
+            <a:extLst>
+              <a:ext uri="{FF2B5EF4-FFF2-40B4-BE49-F238E27FC236}">
+                <a16:creationId xmlns:a16="http://schemas.microsoft.com/office/drawing/2014/main" id="{596358E2-D2E1-4969-952F-77A473B2F5F6}"/>
+              </a:ext>
+            </a:extLst>
+          </p:cNvPr>
+          <p:cNvPicPr>
+            <a:picLocks noChangeAspect="1"/>
+          </p:cNvPicPr>
+          <p:nvPr/>
+        </p:nvPicPr>
+        <p:blipFill>
+          <a:blip r:embed="rId4">
+            <a:extLst>
+              <a:ext uri="{28A0092B-C50C-407E-A947-70E740481C1C}">
+                <a14:useLocalDpi xmlns:a14="http://schemas.microsoft.com/office/drawing/2010/main" val="0"/>
+              </a:ext>
+            </a:extLst>
+          </a:blip>
+          <a:stretch>
+            <a:fillRect/>
+          </a:stretch>
+        </p:blipFill>
+        <p:spPr>
+          <a:xfrm>
+            <a:off x="1509791" y="4028244"/>
+            <a:ext cx="3465248" cy="2598936"/>
+          </a:xfrm>
+          <a:prstGeom prst="rect">
+            <a:avLst/>
+          </a:prstGeom>
+        </p:spPr>
+      </p:pic>
+      <p:pic>
+        <p:nvPicPr>
+          <p:cNvPr id="10" name="图片 9">
+            <a:extLst>
+              <a:ext uri="{FF2B5EF4-FFF2-40B4-BE49-F238E27FC236}">
+                <a16:creationId xmlns:a16="http://schemas.microsoft.com/office/drawing/2014/main" id="{0EADF91E-7296-49A0-B59A-B4063FA7FE3C}"/>
+              </a:ext>
+            </a:extLst>
+          </p:cNvPr>
+          <p:cNvPicPr>
+            <a:picLocks noChangeAspect="1"/>
+          </p:cNvPicPr>
+          <p:nvPr/>
+        </p:nvPicPr>
+        <p:blipFill>
+          <a:blip r:embed="rId5">
+            <a:extLst>
+              <a:ext uri="{28A0092B-C50C-407E-A947-70E740481C1C}">
+                <a14:useLocalDpi xmlns:a14="http://schemas.microsoft.com/office/drawing/2010/main" val="0"/>
+              </a:ext>
+            </a:extLst>
+          </a:blip>
+          <a:stretch>
+            <a:fillRect/>
+          </a:stretch>
+        </p:blipFill>
+        <p:spPr>
+          <a:xfrm>
+            <a:off x="7374387" y="4112581"/>
+            <a:ext cx="3465248" cy="2598936"/>
+          </a:xfrm>
+          <a:prstGeom prst="rect">
+            <a:avLst/>
+          </a:prstGeom>
+        </p:spPr>
+      </p:pic>
+    </p:spTree>
+    <p:extLst>
+      <p:ext uri="{BB962C8B-B14F-4D97-AF65-F5344CB8AC3E}">
+        <p14:creationId xmlns:p14="http://schemas.microsoft.com/office/powerpoint/2010/main" val="2181807627"/>
+      </p:ext>
+    </p:extLst>
+  </p:cSld>
+  <p:clrMapOvr>
+    <a:masterClrMapping/>
+  </p:clrMapOvr>
+</p:sld>
+</file>
+
+<file path=ppt/slides/slide16.xml><?xml version="1.0" encoding="utf-8"?>
+<p:sld xmlns:a="http://schemas.openxmlformats.org/drawingml/2006/main" xmlns:r="http://schemas.openxmlformats.org/officeDocument/2006/relationships" xmlns:p="http://schemas.openxmlformats.org/presentationml/2006/main">
+  <p:cSld>
+    <p:spTree>
+      <p:nvGrpSpPr>
+        <p:cNvPr id="1" name=""/>
+        <p:cNvGrpSpPr/>
+        <p:nvPr/>
+      </p:nvGrpSpPr>
+      <p:grpSpPr>
+        <a:xfrm>
+          <a:off x="0" y="0"/>
+          <a:ext cx="0" cy="0"/>
+          <a:chOff x="0" y="0"/>
+          <a:chExt cx="0" cy="0"/>
+        </a:xfrm>
+      </p:grpSpPr>
+      <p:sp>
+        <p:nvSpPr>
+          <p:cNvPr id="2" name="标题 1">
+            <a:extLst>
+              <a:ext uri="{FF2B5EF4-FFF2-40B4-BE49-F238E27FC236}">
+                <a16:creationId xmlns:a16="http://schemas.microsoft.com/office/drawing/2014/main" id="{91864361-C366-4D67-9897-C3DA1B2B278D}"/>
+              </a:ext>
+            </a:extLst>
+          </p:cNvPr>
+          <p:cNvSpPr>
+            <a:spLocks noGrp="1"/>
+          </p:cNvSpPr>
+          <p:nvPr>
+            <p:ph type="title"/>
+          </p:nvPr>
+        </p:nvSpPr>
+        <p:spPr/>
+        <p:txBody>
+          <a:bodyPr/>
+          <a:lstStyle/>
+          <a:p>
+            <a:pPr algn="ctr"/>
+            <a:r>
+              <a:rPr lang="en-US" altLang="zh-CN" dirty="0"/>
+              <a:t>5 qubits</a:t>
+            </a:r>
+            <a:endParaRPr lang="zh-CN" altLang="en-US" dirty="0"/>
+          </a:p>
+        </p:txBody>
+      </p:sp>
+      <p:pic>
+        <p:nvPicPr>
+          <p:cNvPr id="4" name="图片 3">
+            <a:extLst>
+              <a:ext uri="{FF2B5EF4-FFF2-40B4-BE49-F238E27FC236}">
+                <a16:creationId xmlns:a16="http://schemas.microsoft.com/office/drawing/2014/main" id="{6DF39B3A-0D53-48B9-9972-5CDB99DCB7AE}"/>
+              </a:ext>
+            </a:extLst>
+          </p:cNvPr>
+          <p:cNvPicPr>
+            <a:picLocks noChangeAspect="1"/>
+          </p:cNvPicPr>
+          <p:nvPr/>
+        </p:nvPicPr>
+        <p:blipFill>
+          <a:blip r:embed="rId2">
+            <a:extLst>
+              <a:ext uri="{28A0092B-C50C-407E-A947-70E740481C1C}">
+                <a14:useLocalDpi xmlns:a14="http://schemas.microsoft.com/office/drawing/2010/main" val="0"/>
+              </a:ext>
+            </a:extLst>
+          </a:blip>
+          <a:stretch>
+            <a:fillRect/>
+          </a:stretch>
+        </p:blipFill>
+        <p:spPr>
+          <a:xfrm>
+            <a:off x="1776120" y="1216678"/>
+            <a:ext cx="3301910" cy="2476433"/>
+          </a:xfrm>
+          <a:prstGeom prst="rect">
+            <a:avLst/>
+          </a:prstGeom>
+        </p:spPr>
+      </p:pic>
+      <p:pic>
+        <p:nvPicPr>
+          <p:cNvPr id="6" name="图片 5">
+            <a:extLst>
+              <a:ext uri="{FF2B5EF4-FFF2-40B4-BE49-F238E27FC236}">
+                <a16:creationId xmlns:a16="http://schemas.microsoft.com/office/drawing/2014/main" id="{3EF90613-8554-4339-AFA0-576A24DF4433}"/>
+              </a:ext>
+            </a:extLst>
+          </p:cNvPr>
+          <p:cNvPicPr>
+            <a:picLocks noChangeAspect="1"/>
+          </p:cNvPicPr>
+          <p:nvPr/>
+        </p:nvPicPr>
+        <p:blipFill>
+          <a:blip r:embed="rId3">
+            <a:extLst>
+              <a:ext uri="{28A0092B-C50C-407E-A947-70E740481C1C}">
+                <a14:useLocalDpi xmlns:a14="http://schemas.microsoft.com/office/drawing/2010/main" val="0"/>
+              </a:ext>
+            </a:extLst>
+          </a:blip>
+          <a:stretch>
+            <a:fillRect/>
+          </a:stretch>
+        </p:blipFill>
+        <p:spPr>
+          <a:xfrm>
+            <a:off x="7353670" y="1216678"/>
+            <a:ext cx="3301910" cy="2476433"/>
+          </a:xfrm>
+          <a:prstGeom prst="rect">
+            <a:avLst/>
+          </a:prstGeom>
+        </p:spPr>
+      </p:pic>
+      <p:pic>
+        <p:nvPicPr>
+          <p:cNvPr id="8" name="图片 7">
+            <a:extLst>
+              <a:ext uri="{FF2B5EF4-FFF2-40B4-BE49-F238E27FC236}">
+                <a16:creationId xmlns:a16="http://schemas.microsoft.com/office/drawing/2014/main" id="{1F03B166-7415-4214-A981-CA2865955D98}"/>
+              </a:ext>
+            </a:extLst>
+          </p:cNvPr>
+          <p:cNvPicPr>
+            <a:picLocks noChangeAspect="1"/>
+          </p:cNvPicPr>
+          <p:nvPr/>
+        </p:nvPicPr>
+        <p:blipFill>
+          <a:blip r:embed="rId4">
+            <a:extLst>
+              <a:ext uri="{28A0092B-C50C-407E-A947-70E740481C1C}">
+                <a14:useLocalDpi xmlns:a14="http://schemas.microsoft.com/office/drawing/2010/main" val="0"/>
+              </a:ext>
+            </a:extLst>
+          </a:blip>
+          <a:stretch>
+            <a:fillRect/>
+          </a:stretch>
+        </p:blipFill>
+        <p:spPr>
+          <a:xfrm>
+            <a:off x="1776120" y="3773010"/>
+            <a:ext cx="3301910" cy="2476433"/>
+          </a:xfrm>
+          <a:prstGeom prst="rect">
+            <a:avLst/>
+          </a:prstGeom>
+        </p:spPr>
+      </p:pic>
+      <p:pic>
+        <p:nvPicPr>
+          <p:cNvPr id="10" name="图片 9">
+            <a:extLst>
+              <a:ext uri="{FF2B5EF4-FFF2-40B4-BE49-F238E27FC236}">
+                <a16:creationId xmlns:a16="http://schemas.microsoft.com/office/drawing/2014/main" id="{1F20948C-EA00-481E-B754-957D7EAF5EF0}"/>
+              </a:ext>
+            </a:extLst>
+          </p:cNvPr>
+          <p:cNvPicPr>
+            <a:picLocks noChangeAspect="1"/>
+          </p:cNvPicPr>
+          <p:nvPr/>
+        </p:nvPicPr>
+        <p:blipFill>
+          <a:blip r:embed="rId5">
+            <a:extLst>
+              <a:ext uri="{28A0092B-C50C-407E-A947-70E740481C1C}">
+                <a14:useLocalDpi xmlns:a14="http://schemas.microsoft.com/office/drawing/2010/main" val="0"/>
+              </a:ext>
+            </a:extLst>
+          </a:blip>
+          <a:stretch>
+            <a:fillRect/>
+          </a:stretch>
+        </p:blipFill>
+        <p:spPr>
+          <a:xfrm>
+            <a:off x="7353670" y="3773011"/>
+            <a:ext cx="3301910" cy="2476433"/>
+          </a:xfrm>
+          <a:prstGeom prst="rect">
+            <a:avLst/>
+          </a:prstGeom>
+        </p:spPr>
+      </p:pic>
+    </p:spTree>
+    <p:extLst>
+      <p:ext uri="{BB962C8B-B14F-4D97-AF65-F5344CB8AC3E}">
+        <p14:creationId xmlns:p14="http://schemas.microsoft.com/office/powerpoint/2010/main" val="1907602914"/>
+      </p:ext>
+    </p:extLst>
+  </p:cSld>
+  <p:clrMapOvr>
+    <a:masterClrMapping/>
+  </p:clrMapOvr>
+</p:sld>
+</file>
+
+<file path=ppt/slides/slide17.xml><?xml version="1.0" encoding="utf-8"?>
+<p:sld xmlns:a="http://schemas.openxmlformats.org/drawingml/2006/main" xmlns:r="http://schemas.openxmlformats.org/officeDocument/2006/relationships" xmlns:p="http://schemas.openxmlformats.org/presentationml/2006/main">
+  <p:cSld>
+    <p:spTree>
+      <p:nvGrpSpPr>
+        <p:cNvPr id="1" name=""/>
+        <p:cNvGrpSpPr/>
+        <p:nvPr/>
+      </p:nvGrpSpPr>
+      <p:grpSpPr>
+        <a:xfrm>
+          <a:off x="0" y="0"/>
+          <a:ext cx="0" cy="0"/>
+          <a:chOff x="0" y="0"/>
+          <a:chExt cx="0" cy="0"/>
+        </a:xfrm>
+      </p:grpSpPr>
+      <p:sp>
+        <p:nvSpPr>
+          <p:cNvPr id="2" name="标题 1">
+            <a:extLst>
+              <a:ext uri="{FF2B5EF4-FFF2-40B4-BE49-F238E27FC236}">
+                <a16:creationId xmlns:a16="http://schemas.microsoft.com/office/drawing/2014/main" id="{91864361-C366-4D67-9897-C3DA1B2B278D}"/>
+              </a:ext>
+            </a:extLst>
+          </p:cNvPr>
+          <p:cNvSpPr>
+            <a:spLocks noGrp="1"/>
+          </p:cNvSpPr>
+          <p:nvPr>
+            <p:ph type="title"/>
+          </p:nvPr>
+        </p:nvSpPr>
+        <p:spPr/>
+        <p:txBody>
+          <a:bodyPr/>
+          <a:lstStyle/>
+          <a:p>
+            <a:pPr algn="ctr"/>
+            <a:r>
+              <a:rPr lang="en-US" altLang="zh-CN" dirty="0"/>
+              <a:t>6 qubits</a:t>
+            </a:r>
+            <a:endParaRPr lang="zh-CN" altLang="en-US" dirty="0"/>
+          </a:p>
+        </p:txBody>
+      </p:sp>
+      <p:pic>
+        <p:nvPicPr>
+          <p:cNvPr id="5" name="图片 4">
+            <a:extLst>
+              <a:ext uri="{FF2B5EF4-FFF2-40B4-BE49-F238E27FC236}">
+                <a16:creationId xmlns:a16="http://schemas.microsoft.com/office/drawing/2014/main" id="{1B9223A6-2EFE-4445-B0E8-7DEC56186C01}"/>
+              </a:ext>
+            </a:extLst>
+          </p:cNvPr>
+          <p:cNvPicPr>
+            <a:picLocks noChangeAspect="1"/>
+          </p:cNvPicPr>
+          <p:nvPr/>
+        </p:nvPicPr>
+        <p:blipFill>
+          <a:blip r:embed="rId2">
+            <a:extLst>
+              <a:ext uri="{28A0092B-C50C-407E-A947-70E740481C1C}">
+                <a14:useLocalDpi xmlns:a14="http://schemas.microsoft.com/office/drawing/2010/main" val="0"/>
+              </a:ext>
+            </a:extLst>
+          </a:blip>
+          <a:stretch>
+            <a:fillRect/>
+          </a:stretch>
+        </p:blipFill>
+        <p:spPr>
+          <a:xfrm>
+            <a:off x="1323359" y="1690688"/>
+            <a:ext cx="3328540" cy="2496405"/>
+          </a:xfrm>
+          <a:prstGeom prst="rect">
+            <a:avLst/>
+          </a:prstGeom>
+        </p:spPr>
+      </p:pic>
+      <p:pic>
+        <p:nvPicPr>
+          <p:cNvPr id="9" name="图片 8">
+            <a:extLst>
+              <a:ext uri="{FF2B5EF4-FFF2-40B4-BE49-F238E27FC236}">
+                <a16:creationId xmlns:a16="http://schemas.microsoft.com/office/drawing/2014/main" id="{79539413-7788-4A4B-A914-A2D85DBD63B0}"/>
+              </a:ext>
+            </a:extLst>
+          </p:cNvPr>
+          <p:cNvPicPr>
+            <a:picLocks noChangeAspect="1"/>
+          </p:cNvPicPr>
+          <p:nvPr/>
+        </p:nvPicPr>
+        <p:blipFill>
+          <a:blip r:embed="rId3">
+            <a:extLst>
+              <a:ext uri="{28A0092B-C50C-407E-A947-70E740481C1C}">
+                <a14:useLocalDpi xmlns:a14="http://schemas.microsoft.com/office/drawing/2010/main" val="0"/>
+              </a:ext>
+            </a:extLst>
+          </a:blip>
+          <a:stretch>
+            <a:fillRect/>
+          </a:stretch>
+        </p:blipFill>
+        <p:spPr>
+          <a:xfrm>
+            <a:off x="4651899" y="1690688"/>
+            <a:ext cx="3328540" cy="2496405"/>
+          </a:xfrm>
+          <a:prstGeom prst="rect">
+            <a:avLst/>
+          </a:prstGeom>
+        </p:spPr>
+      </p:pic>
+      <p:pic>
+        <p:nvPicPr>
+          <p:cNvPr id="12" name="图片 11">
+            <a:extLst>
+              <a:ext uri="{FF2B5EF4-FFF2-40B4-BE49-F238E27FC236}">
+                <a16:creationId xmlns:a16="http://schemas.microsoft.com/office/drawing/2014/main" id="{AF90C602-304F-413B-8C3F-511E66BD3D1A}"/>
+              </a:ext>
+            </a:extLst>
+          </p:cNvPr>
+          <p:cNvPicPr>
+            <a:picLocks noChangeAspect="1"/>
+          </p:cNvPicPr>
+          <p:nvPr/>
+        </p:nvPicPr>
+        <p:blipFill>
+          <a:blip r:embed="rId4">
+            <a:extLst>
+              <a:ext uri="{28A0092B-C50C-407E-A947-70E740481C1C}">
+                <a14:useLocalDpi xmlns:a14="http://schemas.microsoft.com/office/drawing/2010/main" val="0"/>
+              </a:ext>
+            </a:extLst>
+          </a:blip>
+          <a:stretch>
+            <a:fillRect/>
+          </a:stretch>
+        </p:blipFill>
+        <p:spPr>
+          <a:xfrm>
+            <a:off x="7980439" y="1690688"/>
+            <a:ext cx="3328540" cy="2496405"/>
+          </a:xfrm>
+          <a:prstGeom prst="rect">
+            <a:avLst/>
+          </a:prstGeom>
+        </p:spPr>
+      </p:pic>
+      <p:pic>
+        <p:nvPicPr>
+          <p:cNvPr id="14" name="图片 13">
+            <a:extLst>
+              <a:ext uri="{FF2B5EF4-FFF2-40B4-BE49-F238E27FC236}">
+                <a16:creationId xmlns:a16="http://schemas.microsoft.com/office/drawing/2014/main" id="{60288193-9130-458A-95A3-1C324CF33113}"/>
+              </a:ext>
+            </a:extLst>
+          </p:cNvPr>
+          <p:cNvPicPr>
+            <a:picLocks noChangeAspect="1"/>
+          </p:cNvPicPr>
+          <p:nvPr/>
+        </p:nvPicPr>
+        <p:blipFill>
+          <a:blip r:embed="rId5">
+            <a:extLst>
+              <a:ext uri="{28A0092B-C50C-407E-A947-70E740481C1C}">
+                <a14:useLocalDpi xmlns:a14="http://schemas.microsoft.com/office/drawing/2010/main" val="0"/>
+              </a:ext>
+            </a:extLst>
+          </a:blip>
+          <a:stretch>
+            <a:fillRect/>
+          </a:stretch>
+        </p:blipFill>
+        <p:spPr>
+          <a:xfrm>
+            <a:off x="1323359" y="4187093"/>
+            <a:ext cx="3328540" cy="2496405"/>
+          </a:xfrm>
+          <a:prstGeom prst="rect">
+            <a:avLst/>
+          </a:prstGeom>
+        </p:spPr>
+      </p:pic>
+      <p:pic>
+        <p:nvPicPr>
+          <p:cNvPr id="16" name="图片 15">
+            <a:extLst>
+              <a:ext uri="{FF2B5EF4-FFF2-40B4-BE49-F238E27FC236}">
+                <a16:creationId xmlns:a16="http://schemas.microsoft.com/office/drawing/2014/main" id="{0FE01D00-D814-4D0E-A4A3-099010B25445}"/>
+              </a:ext>
+            </a:extLst>
+          </p:cNvPr>
+          <p:cNvPicPr>
+            <a:picLocks noChangeAspect="1"/>
+          </p:cNvPicPr>
+          <p:nvPr/>
+        </p:nvPicPr>
+        <p:blipFill>
+          <a:blip r:embed="rId6">
+            <a:extLst>
+              <a:ext uri="{28A0092B-C50C-407E-A947-70E740481C1C}">
+                <a14:useLocalDpi xmlns:a14="http://schemas.microsoft.com/office/drawing/2010/main" val="0"/>
+              </a:ext>
+            </a:extLst>
+          </a:blip>
+          <a:stretch>
+            <a:fillRect/>
+          </a:stretch>
+        </p:blipFill>
+        <p:spPr>
+          <a:xfrm>
+            <a:off x="4651899" y="4187092"/>
+            <a:ext cx="3328540" cy="2496405"/>
+          </a:xfrm>
+          <a:prstGeom prst="rect">
+            <a:avLst/>
+          </a:prstGeom>
+        </p:spPr>
+      </p:pic>
+      <p:pic>
+        <p:nvPicPr>
+          <p:cNvPr id="18" name="图片 17">
+            <a:extLst>
+              <a:ext uri="{FF2B5EF4-FFF2-40B4-BE49-F238E27FC236}">
+                <a16:creationId xmlns:a16="http://schemas.microsoft.com/office/drawing/2014/main" id="{06DCF1BD-B2BE-41A3-BB3B-583F5F5752B9}"/>
+              </a:ext>
+            </a:extLst>
+          </p:cNvPr>
+          <p:cNvPicPr>
+            <a:picLocks noChangeAspect="1"/>
+          </p:cNvPicPr>
+          <p:nvPr/>
+        </p:nvPicPr>
+        <p:blipFill>
+          <a:blip r:embed="rId7">
+            <a:extLst>
+              <a:ext uri="{28A0092B-C50C-407E-A947-70E740481C1C}">
+                <a14:useLocalDpi xmlns:a14="http://schemas.microsoft.com/office/drawing/2010/main" val="0"/>
+              </a:ext>
+            </a:extLst>
+          </a:blip>
+          <a:stretch>
+            <a:fillRect/>
+          </a:stretch>
+        </p:blipFill>
+        <p:spPr>
+          <a:xfrm>
+            <a:off x="7980439" y="4187092"/>
+            <a:ext cx="3328540" cy="2496405"/>
+          </a:xfrm>
+          <a:prstGeom prst="rect">
+            <a:avLst/>
+          </a:prstGeom>
+        </p:spPr>
+      </p:pic>
+    </p:spTree>
+    <p:extLst>
+      <p:ext uri="{BB962C8B-B14F-4D97-AF65-F5344CB8AC3E}">
+        <p14:creationId xmlns:p14="http://schemas.microsoft.com/office/powerpoint/2010/main" val="2397743142"/>
+      </p:ext>
+    </p:extLst>
+  </p:cSld>
+  <p:clrMapOvr>
+    <a:masterClrMapping/>
+  </p:clrMapOvr>
+</p:sld>
+</file>
+
 <file path=ppt/slides/slide2.xml><?xml version="1.0" encoding="utf-8"?>
 <p:sld xmlns:a="http://schemas.openxmlformats.org/drawingml/2006/main" xmlns:r="http://schemas.openxmlformats.org/officeDocument/2006/relationships" xmlns:p="http://schemas.openxmlformats.org/presentationml/2006/main">
   <p:cSld>
@@ -3637,8 +5980,8 @@
           </a:p>
         </p:txBody>
       </p:sp>
-      <mc:AlternateContent xmlns:mc="http://schemas.openxmlformats.org/markup-compatibility/2006">
-        <mc:Choice xmlns:a14="http://schemas.microsoft.com/office/drawing/2010/main" Requires="a14">
+      <mc:AlternateContent xmlns:mc="http://schemas.openxmlformats.org/markup-compatibility/2006" xmlns:a14="http://schemas.microsoft.com/office/drawing/2010/main">
+        <mc:Choice Requires="a14">
           <p:sp>
             <p:nvSpPr>
               <p:cNvPr id="3" name="内容占位符 2">
@@ -4147,7 +6490,7 @@
             </p:txBody>
           </p:sp>
         </mc:Choice>
-        <mc:Fallback>
+        <mc:Fallback xmlns="">
           <p:sp>
             <p:nvSpPr>
               <p:cNvPr id="3" name="内容占位符 2">
@@ -4379,7 +6722,7 @@
             <p:ph idx="1"/>
             <p:extLst>
               <p:ext uri="{D42A27DB-BD31-4B8C-83A1-F6EECF244321}">
-                <p14:modId xmlns:p14="http://schemas.microsoft.com/office/powerpoint/2010/main" val="2104566464"/>
+                <p14:modId xmlns:p14="http://schemas.microsoft.com/office/powerpoint/2010/main" val="3609656847"/>
               </p:ext>
             </p:extLst>
           </p:nvPr>
@@ -4453,7 +6796,7 @@
                     <a:p>
                       <a:r>
                         <a:rPr lang="en-US" altLang="zh-CN" dirty="0"/>
-                        <a:t>Time</a:t>
+                        <a:t>Time(ns)</a:t>
                       </a:r>
                       <a:endParaRPr lang="zh-CN" altLang="en-US" dirty="0"/>
                     </a:p>
@@ -4690,7 +7033,7 @@
             <p:ph idx="1"/>
             <p:extLst>
               <p:ext uri="{D42A27DB-BD31-4B8C-83A1-F6EECF244321}">
-                <p14:modId xmlns:p14="http://schemas.microsoft.com/office/powerpoint/2010/main" val="1445708879"/>
+                <p14:modId xmlns:p14="http://schemas.microsoft.com/office/powerpoint/2010/main" val="520417666"/>
               </p:ext>
             </p:extLst>
           </p:nvPr>
@@ -4764,7 +7107,7 @@
                     <a:p>
                       <a:r>
                         <a:rPr lang="en-US" altLang="zh-CN" dirty="0"/>
-                        <a:t>Time</a:t>
+                        <a:t>Time(ns)</a:t>
                       </a:r>
                       <a:endParaRPr lang="zh-CN" altLang="en-US" dirty="0"/>
                     </a:p>
@@ -4993,6 +7336,1295 @@
     <p:extLst>
       <p:ext uri="{BB962C8B-B14F-4D97-AF65-F5344CB8AC3E}">
         <p14:creationId xmlns:p14="http://schemas.microsoft.com/office/powerpoint/2010/main" val="849192408"/>
+      </p:ext>
+    </p:extLst>
+  </p:cSld>
+  <p:clrMapOvr>
+    <a:masterClrMapping/>
+  </p:clrMapOvr>
+</p:sld>
+</file>
+
+<file path=ppt/slides/slide7.xml><?xml version="1.0" encoding="utf-8"?>
+<p:sld xmlns:a="http://schemas.openxmlformats.org/drawingml/2006/main" xmlns:r="http://schemas.openxmlformats.org/officeDocument/2006/relationships" xmlns:p="http://schemas.openxmlformats.org/presentationml/2006/main">
+  <p:cSld>
+    <p:spTree>
+      <p:nvGrpSpPr>
+        <p:cNvPr id="1" name=""/>
+        <p:cNvGrpSpPr/>
+        <p:nvPr/>
+      </p:nvGrpSpPr>
+      <p:grpSpPr>
+        <a:xfrm>
+          <a:off x="0" y="0"/>
+          <a:ext cx="0" cy="0"/>
+          <a:chOff x="0" y="0"/>
+          <a:chExt cx="0" cy="0"/>
+        </a:xfrm>
+      </p:grpSpPr>
+      <p:sp>
+        <p:nvSpPr>
+          <p:cNvPr id="2" name="标题 1">
+            <a:extLst>
+              <a:ext uri="{FF2B5EF4-FFF2-40B4-BE49-F238E27FC236}">
+                <a16:creationId xmlns:a16="http://schemas.microsoft.com/office/drawing/2014/main" id="{BA037842-58AA-4BC7-B7C7-7B9ABB9CE997}"/>
+              </a:ext>
+            </a:extLst>
+          </p:cNvPr>
+          <p:cNvSpPr>
+            <a:spLocks noGrp="1"/>
+          </p:cNvSpPr>
+          <p:nvPr>
+            <p:ph type="title"/>
+          </p:nvPr>
+        </p:nvSpPr>
+        <p:spPr/>
+        <p:txBody>
+          <a:bodyPr/>
+          <a:lstStyle/>
+          <a:p>
+            <a:pPr algn="ctr"/>
+            <a:r>
+              <a:rPr lang="en-US" altLang="zh-CN" dirty="0"/>
+              <a:t>4 qubits</a:t>
+            </a:r>
+            <a:endParaRPr lang="zh-CN" altLang="en-US" dirty="0"/>
+          </a:p>
+        </p:txBody>
+      </p:sp>
+      <p:graphicFrame>
+        <p:nvGraphicFramePr>
+          <p:cNvPr id="4" name="内容占位符 3">
+            <a:extLst>
+              <a:ext uri="{FF2B5EF4-FFF2-40B4-BE49-F238E27FC236}">
+                <a16:creationId xmlns:a16="http://schemas.microsoft.com/office/drawing/2014/main" id="{D7A867F6-09A5-4E44-8718-0A2C7909658E}"/>
+              </a:ext>
+            </a:extLst>
+          </p:cNvPr>
+          <p:cNvGraphicFramePr>
+            <a:graphicFrameLocks noGrp="1"/>
+          </p:cNvGraphicFramePr>
+          <p:nvPr>
+            <p:ph idx="1"/>
+            <p:extLst>
+              <p:ext uri="{D42A27DB-BD31-4B8C-83A1-F6EECF244321}">
+                <p14:modId xmlns:p14="http://schemas.microsoft.com/office/powerpoint/2010/main" val="1076591279"/>
+              </p:ext>
+            </p:extLst>
+          </p:nvPr>
+        </p:nvGraphicFramePr>
+        <p:xfrm>
+          <a:off x="838200" y="1825625"/>
+          <a:ext cx="10515600" cy="4079240"/>
+        </p:xfrm>
+        <a:graphic>
+          <a:graphicData uri="http://schemas.openxmlformats.org/drawingml/2006/table">
+            <a:tbl>
+              <a:tblPr firstRow="1" bandRow="1">
+                <a:tableStyleId>{5C22544A-7EE6-4342-B048-85BDC9FD1C3A}</a:tableStyleId>
+              </a:tblPr>
+              <a:tblGrid>
+                <a:gridCol w="3505200">
+                  <a:extLst>
+                    <a:ext uri="{9D8B030D-6E8A-4147-A177-3AD203B41FA5}">
+                      <a16:colId xmlns:a16="http://schemas.microsoft.com/office/drawing/2014/main" val="2963713314"/>
+                    </a:ext>
+                  </a:extLst>
+                </a:gridCol>
+                <a:gridCol w="3505200">
+                  <a:extLst>
+                    <a:ext uri="{9D8B030D-6E8A-4147-A177-3AD203B41FA5}">
+                      <a16:colId xmlns:a16="http://schemas.microsoft.com/office/drawing/2014/main" val="1582370343"/>
+                    </a:ext>
+                  </a:extLst>
+                </a:gridCol>
+                <a:gridCol w="3505200">
+                  <a:extLst>
+                    <a:ext uri="{9D8B030D-6E8A-4147-A177-3AD203B41FA5}">
+                      <a16:colId xmlns:a16="http://schemas.microsoft.com/office/drawing/2014/main" val="39926455"/>
+                    </a:ext>
+                  </a:extLst>
+                </a:gridCol>
+              </a:tblGrid>
+              <a:tr h="370840">
+                <a:tc>
+                  <a:txBody>
+                    <a:bodyPr/>
+                    <a:lstStyle/>
+                    <a:p>
+                      <a:r>
+                        <a:rPr lang="en-US" altLang="zh-CN" dirty="0"/>
+                        <a:t>state</a:t>
+                      </a:r>
+                      <a:endParaRPr lang="zh-CN" altLang="en-US" dirty="0"/>
+                    </a:p>
+                  </a:txBody>
+                  <a:tcPr/>
+                </a:tc>
+                <a:tc>
+                  <a:txBody>
+                    <a:bodyPr/>
+                    <a:lstStyle/>
+                    <a:p>
+                      <a:r>
+                        <a:rPr lang="en-US" altLang="zh-CN" dirty="0"/>
+                        <a:t>Max entropy</a:t>
+                      </a:r>
+                      <a:endParaRPr lang="zh-CN" altLang="en-US" dirty="0"/>
+                    </a:p>
+                  </a:txBody>
+                  <a:tcPr/>
+                </a:tc>
+                <a:tc>
+                  <a:txBody>
+                    <a:bodyPr/>
+                    <a:lstStyle/>
+                    <a:p>
+                      <a:r>
+                        <a:rPr lang="en-US" altLang="zh-CN" dirty="0"/>
+                        <a:t>Time(ns)</a:t>
+                      </a:r>
+                      <a:endParaRPr lang="zh-CN" altLang="en-US" dirty="0"/>
+                    </a:p>
+                  </a:txBody>
+                  <a:tcPr/>
+                </a:tc>
+                <a:extLst>
+                  <a:ext uri="{0D108BD9-81ED-4DB2-BD59-A6C34878D82A}">
+                    <a16:rowId xmlns:a16="http://schemas.microsoft.com/office/drawing/2014/main" val="3114781327"/>
+                  </a:ext>
+                </a:extLst>
+              </a:tr>
+              <a:tr h="370840">
+                <a:tc>
+                  <a:txBody>
+                    <a:bodyPr/>
+                    <a:lstStyle/>
+                    <a:p>
+                      <a:r>
+                        <a:rPr lang="en-US" altLang="zh-CN" dirty="0"/>
+                        <a:t>[0,0,1,0]</a:t>
+                      </a:r>
+                      <a:endParaRPr lang="zh-CN" altLang="en-US" dirty="0"/>
+                    </a:p>
+                  </a:txBody>
+                  <a:tcPr/>
+                </a:tc>
+                <a:tc>
+                  <a:txBody>
+                    <a:bodyPr/>
+                    <a:lstStyle/>
+                    <a:p>
+                      <a:r>
+                        <a:rPr lang="en-US" altLang="zh-CN" dirty="0"/>
+                        <a:t>5.3403</a:t>
+                      </a:r>
+                      <a:endParaRPr lang="zh-CN" altLang="en-US" dirty="0"/>
+                    </a:p>
+                  </a:txBody>
+                  <a:tcPr/>
+                </a:tc>
+                <a:tc>
+                  <a:txBody>
+                    <a:bodyPr/>
+                    <a:lstStyle/>
+                    <a:p>
+                      <a:r>
+                        <a:rPr lang="en-US" altLang="zh-CN" dirty="0"/>
+                        <a:t>27.333</a:t>
+                      </a:r>
+                      <a:endParaRPr lang="zh-CN" altLang="en-US" dirty="0"/>
+                    </a:p>
+                  </a:txBody>
+                  <a:tcPr/>
+                </a:tc>
+                <a:extLst>
+                  <a:ext uri="{0D108BD9-81ED-4DB2-BD59-A6C34878D82A}">
+                    <a16:rowId xmlns:a16="http://schemas.microsoft.com/office/drawing/2014/main" val="876954887"/>
+                  </a:ext>
+                </a:extLst>
+              </a:tr>
+              <a:tr h="370840">
+                <a:tc>
+                  <a:txBody>
+                    <a:bodyPr/>
+                    <a:lstStyle/>
+                    <a:p>
+                      <a:r>
+                        <a:rPr lang="en-US" altLang="zh-CN" dirty="0"/>
+                        <a:t>[0,0,0,1]</a:t>
+                      </a:r>
+                      <a:endParaRPr lang="zh-CN" altLang="en-US" dirty="0"/>
+                    </a:p>
+                  </a:txBody>
+                  <a:tcPr/>
+                </a:tc>
+                <a:tc>
+                  <a:txBody>
+                    <a:bodyPr/>
+                    <a:lstStyle/>
+                    <a:p>
+                      <a:r>
+                        <a:rPr lang="en-US" altLang="zh-CN" dirty="0"/>
+                        <a:t>5.2933</a:t>
+                      </a:r>
+                      <a:endParaRPr lang="zh-CN" altLang="en-US" dirty="0"/>
+                    </a:p>
+                  </a:txBody>
+                  <a:tcPr/>
+                </a:tc>
+                <a:tc>
+                  <a:txBody>
+                    <a:bodyPr/>
+                    <a:lstStyle/>
+                    <a:p>
+                      <a:r>
+                        <a:rPr lang="en-US" altLang="zh-CN" dirty="0"/>
+                        <a:t>134</a:t>
+                      </a:r>
+                      <a:endParaRPr lang="zh-CN" altLang="en-US" dirty="0"/>
+                    </a:p>
+                  </a:txBody>
+                  <a:tcPr/>
+                </a:tc>
+                <a:extLst>
+                  <a:ext uri="{0D108BD9-81ED-4DB2-BD59-A6C34878D82A}">
+                    <a16:rowId xmlns:a16="http://schemas.microsoft.com/office/drawing/2014/main" val="3994331233"/>
+                  </a:ext>
+                </a:extLst>
+              </a:tr>
+              <a:tr h="370840">
+                <a:tc>
+                  <a:txBody>
+                    <a:bodyPr/>
+                    <a:lstStyle/>
+                    <a:p>
+                      <a:r>
+                        <a:rPr lang="en-US" altLang="zh-CN" dirty="0"/>
+                        <a:t>[+,+,+,+]</a:t>
+                      </a:r>
+                      <a:endParaRPr lang="zh-CN" altLang="en-US" dirty="0"/>
+                    </a:p>
+                  </a:txBody>
+                  <a:tcPr/>
+                </a:tc>
+                <a:tc>
+                  <a:txBody>
+                    <a:bodyPr/>
+                    <a:lstStyle/>
+                    <a:p>
+                      <a:r>
+                        <a:rPr lang="en-US" altLang="zh-CN" dirty="0"/>
+                        <a:t>8.1448</a:t>
+                      </a:r>
+                      <a:endParaRPr lang="zh-CN" altLang="en-US" dirty="0"/>
+                    </a:p>
+                  </a:txBody>
+                  <a:tcPr/>
+                </a:tc>
+                <a:tc>
+                  <a:txBody>
+                    <a:bodyPr/>
+                    <a:lstStyle/>
+                    <a:p>
+                      <a:r>
+                        <a:rPr lang="en-US" altLang="zh-CN" dirty="0"/>
+                        <a:t>26.666</a:t>
+                      </a:r>
+                      <a:endParaRPr lang="zh-CN" altLang="en-US" dirty="0"/>
+                    </a:p>
+                  </a:txBody>
+                  <a:tcPr/>
+                </a:tc>
+                <a:extLst>
+                  <a:ext uri="{0D108BD9-81ED-4DB2-BD59-A6C34878D82A}">
+                    <a16:rowId xmlns:a16="http://schemas.microsoft.com/office/drawing/2014/main" val="2481877988"/>
+                  </a:ext>
+                </a:extLst>
+              </a:tr>
+              <a:tr h="370840">
+                <a:tc>
+                  <a:txBody>
+                    <a:bodyPr/>
+                    <a:lstStyle/>
+                    <a:p>
+                      <a:r>
+                        <a:rPr lang="en-US" altLang="zh-CN" dirty="0"/>
+                        <a:t>[+,+,-,+]</a:t>
+                      </a:r>
+                      <a:endParaRPr lang="zh-CN" altLang="en-US" dirty="0"/>
+                    </a:p>
+                  </a:txBody>
+                  <a:tcPr/>
+                </a:tc>
+                <a:tc>
+                  <a:txBody>
+                    <a:bodyPr/>
+                    <a:lstStyle/>
+                    <a:p>
+                      <a:r>
+                        <a:rPr lang="en-US" altLang="zh-CN" dirty="0"/>
+                        <a:t>8.6516</a:t>
+                      </a:r>
+                      <a:endParaRPr lang="zh-CN" altLang="en-US" dirty="0"/>
+                    </a:p>
+                  </a:txBody>
+                  <a:tcPr/>
+                </a:tc>
+                <a:tc>
+                  <a:txBody>
+                    <a:bodyPr/>
+                    <a:lstStyle/>
+                    <a:p>
+                      <a:r>
+                        <a:rPr lang="en-US" altLang="zh-CN" dirty="0"/>
+                        <a:t>22</a:t>
+                      </a:r>
+                      <a:endParaRPr lang="zh-CN" altLang="en-US" dirty="0"/>
+                    </a:p>
+                  </a:txBody>
+                  <a:tcPr/>
+                </a:tc>
+                <a:extLst>
+                  <a:ext uri="{0D108BD9-81ED-4DB2-BD59-A6C34878D82A}">
+                    <a16:rowId xmlns:a16="http://schemas.microsoft.com/office/drawing/2014/main" val="3207551407"/>
+                  </a:ext>
+                </a:extLst>
+              </a:tr>
+              <a:tr h="370840">
+                <a:tc>
+                  <a:txBody>
+                    <a:bodyPr/>
+                    <a:lstStyle/>
+                    <a:p>
+                      <a:r>
+                        <a:rPr lang="en-US" altLang="zh-CN" dirty="0"/>
+                        <a:t>[-,-,+,-]</a:t>
+                      </a:r>
+                      <a:endParaRPr lang="zh-CN" altLang="en-US" dirty="0"/>
+                    </a:p>
+                  </a:txBody>
+                  <a:tcPr/>
+                </a:tc>
+                <a:tc>
+                  <a:txBody>
+                    <a:bodyPr/>
+                    <a:lstStyle/>
+                    <a:p>
+                      <a:r>
+                        <a:rPr lang="en-US" altLang="zh-CN" dirty="0"/>
+                        <a:t>8.6516</a:t>
+                      </a:r>
+                      <a:endParaRPr lang="zh-CN" altLang="en-US" dirty="0"/>
+                    </a:p>
+                  </a:txBody>
+                  <a:tcPr/>
+                </a:tc>
+                <a:tc>
+                  <a:txBody>
+                    <a:bodyPr/>
+                    <a:lstStyle/>
+                    <a:p>
+                      <a:r>
+                        <a:rPr lang="en-US" altLang="zh-CN" dirty="0"/>
+                        <a:t>22</a:t>
+                      </a:r>
+                      <a:endParaRPr lang="zh-CN" altLang="en-US" dirty="0"/>
+                    </a:p>
+                  </a:txBody>
+                  <a:tcPr/>
+                </a:tc>
+                <a:extLst>
+                  <a:ext uri="{0D108BD9-81ED-4DB2-BD59-A6C34878D82A}">
+                    <a16:rowId xmlns:a16="http://schemas.microsoft.com/office/drawing/2014/main" val="3430136162"/>
+                  </a:ext>
+                </a:extLst>
+              </a:tr>
+              <a:tr h="370840">
+                <a:tc>
+                  <a:txBody>
+                    <a:bodyPr/>
+                    <a:lstStyle/>
+                    <a:p>
+                      <a:r>
+                        <a:rPr lang="en-US" altLang="zh-CN" dirty="0">
+                          <a:solidFill>
+                            <a:srgbClr val="FF0000"/>
+                          </a:solidFill>
+                        </a:rPr>
+                        <a:t>[-,-,-,+]</a:t>
+                      </a:r>
+                      <a:endParaRPr lang="zh-CN" altLang="en-US" dirty="0">
+                        <a:solidFill>
+                          <a:srgbClr val="FF0000"/>
+                        </a:solidFill>
+                      </a:endParaRPr>
+                    </a:p>
+                  </a:txBody>
+                  <a:tcPr/>
+                </a:tc>
+                <a:tc>
+                  <a:txBody>
+                    <a:bodyPr/>
+                    <a:lstStyle/>
+                    <a:p>
+                      <a:r>
+                        <a:rPr lang="en-US" altLang="zh-CN" dirty="0">
+                          <a:solidFill>
+                            <a:srgbClr val="FF0000"/>
+                          </a:solidFill>
+                        </a:rPr>
+                        <a:t>8.7172</a:t>
+                      </a:r>
+                      <a:endParaRPr lang="zh-CN" altLang="en-US" dirty="0">
+                        <a:solidFill>
+                          <a:srgbClr val="FF0000"/>
+                        </a:solidFill>
+                      </a:endParaRPr>
+                    </a:p>
+                  </a:txBody>
+                  <a:tcPr/>
+                </a:tc>
+                <a:tc>
+                  <a:txBody>
+                    <a:bodyPr/>
+                    <a:lstStyle/>
+                    <a:p>
+                      <a:r>
+                        <a:rPr lang="en-US" altLang="zh-CN" dirty="0">
+                          <a:solidFill>
+                            <a:srgbClr val="FF0000"/>
+                          </a:solidFill>
+                        </a:rPr>
+                        <a:t>24</a:t>
+                      </a:r>
+                      <a:endParaRPr lang="zh-CN" altLang="en-US" dirty="0">
+                        <a:solidFill>
+                          <a:srgbClr val="FF0000"/>
+                        </a:solidFill>
+                      </a:endParaRPr>
+                    </a:p>
+                  </a:txBody>
+                  <a:tcPr/>
+                </a:tc>
+                <a:extLst>
+                  <a:ext uri="{0D108BD9-81ED-4DB2-BD59-A6C34878D82A}">
+                    <a16:rowId xmlns:a16="http://schemas.microsoft.com/office/drawing/2014/main" val="3418192180"/>
+                  </a:ext>
+                </a:extLst>
+              </a:tr>
+              <a:tr h="370840">
+                <a:tc>
+                  <a:txBody>
+                    <a:bodyPr/>
+                    <a:lstStyle/>
+                    <a:p>
+                      <a:r>
+                        <a:rPr lang="en-US" altLang="zh-CN" dirty="0">
+                          <a:solidFill>
+                            <a:srgbClr val="FF0000"/>
+                          </a:solidFill>
+                        </a:rPr>
+                        <a:t>[+,+,+,-]</a:t>
+                      </a:r>
+                      <a:endParaRPr lang="zh-CN" altLang="en-US" dirty="0">
+                        <a:solidFill>
+                          <a:srgbClr val="FF0000"/>
+                        </a:solidFill>
+                      </a:endParaRPr>
+                    </a:p>
+                  </a:txBody>
+                  <a:tcPr/>
+                </a:tc>
+                <a:tc>
+                  <a:txBody>
+                    <a:bodyPr/>
+                    <a:lstStyle/>
+                    <a:p>
+                      <a:r>
+                        <a:rPr lang="en-US" altLang="zh-CN" dirty="0">
+                          <a:solidFill>
+                            <a:srgbClr val="FF0000"/>
+                          </a:solidFill>
+                        </a:rPr>
+                        <a:t>8.7127</a:t>
+                      </a:r>
+                      <a:endParaRPr lang="zh-CN" altLang="en-US" dirty="0">
+                        <a:solidFill>
+                          <a:srgbClr val="FF0000"/>
+                        </a:solidFill>
+                      </a:endParaRPr>
+                    </a:p>
+                  </a:txBody>
+                  <a:tcPr/>
+                </a:tc>
+                <a:tc>
+                  <a:txBody>
+                    <a:bodyPr/>
+                    <a:lstStyle/>
+                    <a:p>
+                      <a:r>
+                        <a:rPr lang="en-US" altLang="zh-CN" dirty="0">
+                          <a:solidFill>
+                            <a:srgbClr val="FF0000"/>
+                          </a:solidFill>
+                        </a:rPr>
+                        <a:t>24</a:t>
+                      </a:r>
+                      <a:endParaRPr lang="zh-CN" altLang="en-US" dirty="0">
+                        <a:solidFill>
+                          <a:srgbClr val="FF0000"/>
+                        </a:solidFill>
+                      </a:endParaRPr>
+                    </a:p>
+                  </a:txBody>
+                  <a:tcPr/>
+                </a:tc>
+                <a:extLst>
+                  <a:ext uri="{0D108BD9-81ED-4DB2-BD59-A6C34878D82A}">
+                    <a16:rowId xmlns:a16="http://schemas.microsoft.com/office/drawing/2014/main" val="3785994722"/>
+                  </a:ext>
+                </a:extLst>
+              </a:tr>
+              <a:tr h="370840">
+                <a:tc>
+                  <a:txBody>
+                    <a:bodyPr/>
+                    <a:lstStyle/>
+                    <a:p>
+                      <a:r>
+                        <a:rPr lang="en-US" altLang="zh-CN" dirty="0"/>
+                        <a:t>[+,+,-,-]</a:t>
+                      </a:r>
+                      <a:endParaRPr lang="zh-CN" altLang="en-US" dirty="0"/>
+                    </a:p>
+                  </a:txBody>
+                  <a:tcPr/>
+                </a:tc>
+                <a:tc>
+                  <a:txBody>
+                    <a:bodyPr/>
+                    <a:lstStyle/>
+                    <a:p>
+                      <a:r>
+                        <a:rPr lang="en-US" altLang="zh-CN" dirty="0"/>
+                        <a:t>8.3955</a:t>
+                      </a:r>
+                      <a:endParaRPr lang="zh-CN" altLang="en-US" dirty="0"/>
+                    </a:p>
+                  </a:txBody>
+                  <a:tcPr/>
+                </a:tc>
+                <a:tc>
+                  <a:txBody>
+                    <a:bodyPr/>
+                    <a:lstStyle/>
+                    <a:p>
+                      <a:r>
+                        <a:rPr lang="en-US" altLang="zh-CN" dirty="0"/>
+                        <a:t>125.33</a:t>
+                      </a:r>
+                      <a:endParaRPr lang="zh-CN" altLang="en-US" dirty="0"/>
+                    </a:p>
+                  </a:txBody>
+                  <a:tcPr/>
+                </a:tc>
+                <a:extLst>
+                  <a:ext uri="{0D108BD9-81ED-4DB2-BD59-A6C34878D82A}">
+                    <a16:rowId xmlns:a16="http://schemas.microsoft.com/office/drawing/2014/main" val="2904180215"/>
+                  </a:ext>
+                </a:extLst>
+              </a:tr>
+              <a:tr h="370840">
+                <a:tc>
+                  <a:txBody>
+                    <a:bodyPr/>
+                    <a:lstStyle/>
+                    <a:p>
+                      <a:r>
+                        <a:rPr lang="en-US" altLang="zh-CN" dirty="0"/>
+                        <a:t>[+,-,+,-]</a:t>
+                      </a:r>
+                      <a:endParaRPr lang="zh-CN" altLang="en-US" dirty="0"/>
+                    </a:p>
+                  </a:txBody>
+                  <a:tcPr/>
+                </a:tc>
+                <a:tc>
+                  <a:txBody>
+                    <a:bodyPr/>
+                    <a:lstStyle/>
+                    <a:p>
+                      <a:r>
+                        <a:rPr lang="en-US" altLang="zh-CN" dirty="0"/>
+                        <a:t>8.1121</a:t>
+                      </a:r>
+                      <a:endParaRPr lang="zh-CN" altLang="en-US" dirty="0"/>
+                    </a:p>
+                  </a:txBody>
+                  <a:tcPr/>
+                </a:tc>
+                <a:tc>
+                  <a:txBody>
+                    <a:bodyPr/>
+                    <a:lstStyle/>
+                    <a:p>
+                      <a:r>
+                        <a:rPr lang="en-US" altLang="zh-CN" dirty="0"/>
+                        <a:t>24</a:t>
+                      </a:r>
+                      <a:endParaRPr lang="zh-CN" altLang="en-US" dirty="0"/>
+                    </a:p>
+                  </a:txBody>
+                  <a:tcPr/>
+                </a:tc>
+                <a:extLst>
+                  <a:ext uri="{0D108BD9-81ED-4DB2-BD59-A6C34878D82A}">
+                    <a16:rowId xmlns:a16="http://schemas.microsoft.com/office/drawing/2014/main" val="702915449"/>
+                  </a:ext>
+                </a:extLst>
+              </a:tr>
+              <a:tr h="370840">
+                <a:tc>
+                  <a:txBody>
+                    <a:bodyPr/>
+                    <a:lstStyle/>
+                    <a:p>
+                      <a:r>
+                        <a:rPr lang="en-US" altLang="zh-CN" dirty="0"/>
+                        <a:t>[+,-,-,+]</a:t>
+                      </a:r>
+                      <a:endParaRPr lang="zh-CN" altLang="en-US" dirty="0"/>
+                    </a:p>
+                  </a:txBody>
+                  <a:tcPr/>
+                </a:tc>
+                <a:tc>
+                  <a:txBody>
+                    <a:bodyPr/>
+                    <a:lstStyle/>
+                    <a:p>
+                      <a:r>
+                        <a:rPr lang="en-US" altLang="zh-CN" dirty="0"/>
+                        <a:t>8.2277</a:t>
+                      </a:r>
+                      <a:endParaRPr lang="zh-CN" altLang="en-US" dirty="0"/>
+                    </a:p>
+                  </a:txBody>
+                  <a:tcPr/>
+                </a:tc>
+                <a:tc>
+                  <a:txBody>
+                    <a:bodyPr/>
+                    <a:lstStyle/>
+                    <a:p>
+                      <a:r>
+                        <a:rPr lang="en-US" altLang="zh-CN" dirty="0"/>
+                        <a:t>122</a:t>
+                      </a:r>
+                      <a:endParaRPr lang="zh-CN" altLang="en-US" dirty="0"/>
+                    </a:p>
+                  </a:txBody>
+                  <a:tcPr/>
+                </a:tc>
+                <a:extLst>
+                  <a:ext uri="{0D108BD9-81ED-4DB2-BD59-A6C34878D82A}">
+                    <a16:rowId xmlns:a16="http://schemas.microsoft.com/office/drawing/2014/main" val="2757733867"/>
+                  </a:ext>
+                </a:extLst>
+              </a:tr>
+            </a:tbl>
+          </a:graphicData>
+        </a:graphic>
+      </p:graphicFrame>
+    </p:spTree>
+    <p:extLst>
+      <p:ext uri="{BB962C8B-B14F-4D97-AF65-F5344CB8AC3E}">
+        <p14:creationId xmlns:p14="http://schemas.microsoft.com/office/powerpoint/2010/main" val="2914017323"/>
+      </p:ext>
+    </p:extLst>
+  </p:cSld>
+  <p:clrMapOvr>
+    <a:masterClrMapping/>
+  </p:clrMapOvr>
+</p:sld>
+</file>
+
+<file path=ppt/slides/slide8.xml><?xml version="1.0" encoding="utf-8"?>
+<p:sld xmlns:a="http://schemas.openxmlformats.org/drawingml/2006/main" xmlns:r="http://schemas.openxmlformats.org/officeDocument/2006/relationships" xmlns:p="http://schemas.openxmlformats.org/presentationml/2006/main">
+  <p:cSld>
+    <p:spTree>
+      <p:nvGrpSpPr>
+        <p:cNvPr id="1" name=""/>
+        <p:cNvGrpSpPr/>
+        <p:nvPr/>
+      </p:nvGrpSpPr>
+      <p:grpSpPr>
+        <a:xfrm>
+          <a:off x="0" y="0"/>
+          <a:ext cx="0" cy="0"/>
+          <a:chOff x="0" y="0"/>
+          <a:chExt cx="0" cy="0"/>
+        </a:xfrm>
+      </p:grpSpPr>
+      <p:pic>
+        <p:nvPicPr>
+          <p:cNvPr id="5" name="内容占位符 4">
+            <a:extLst>
+              <a:ext uri="{FF2B5EF4-FFF2-40B4-BE49-F238E27FC236}">
+                <a16:creationId xmlns:a16="http://schemas.microsoft.com/office/drawing/2014/main" id="{C43CE80A-006D-42B6-BA37-CCFE2004DE55}"/>
+              </a:ext>
+            </a:extLst>
+          </p:cNvPr>
+          <p:cNvPicPr>
+            <a:picLocks noGrp="1" noChangeAspect="1"/>
+          </p:cNvPicPr>
+          <p:nvPr>
+            <p:ph idx="1"/>
+          </p:nvPr>
+        </p:nvPicPr>
+        <p:blipFill>
+          <a:blip r:embed="rId2">
+            <a:extLst>
+              <a:ext uri="{28A0092B-C50C-407E-A947-70E740481C1C}">
+                <a14:useLocalDpi xmlns:a14="http://schemas.microsoft.com/office/drawing/2010/main" val="0"/>
+              </a:ext>
+            </a:extLst>
+          </a:blip>
+          <a:stretch>
+            <a:fillRect/>
+          </a:stretch>
+        </p:blipFill>
+        <p:spPr>
+          <a:xfrm>
+            <a:off x="1297825" y="1816747"/>
+            <a:ext cx="4798175" cy="3598631"/>
+          </a:xfrm>
+        </p:spPr>
+      </p:pic>
+      <p:pic>
+        <p:nvPicPr>
+          <p:cNvPr id="7" name="图片 6">
+            <a:extLst>
+              <a:ext uri="{FF2B5EF4-FFF2-40B4-BE49-F238E27FC236}">
+                <a16:creationId xmlns:a16="http://schemas.microsoft.com/office/drawing/2014/main" id="{F955DD2B-DC42-4A3B-86AE-63FBEF8347DE}"/>
+              </a:ext>
+            </a:extLst>
+          </p:cNvPr>
+          <p:cNvPicPr>
+            <a:picLocks noChangeAspect="1"/>
+          </p:cNvPicPr>
+          <p:nvPr/>
+        </p:nvPicPr>
+        <p:blipFill>
+          <a:blip r:embed="rId3">
+            <a:extLst>
+              <a:ext uri="{28A0092B-C50C-407E-A947-70E740481C1C}">
+                <a14:useLocalDpi xmlns:a14="http://schemas.microsoft.com/office/drawing/2010/main" val="0"/>
+              </a:ext>
+            </a:extLst>
+          </a:blip>
+          <a:stretch>
+            <a:fillRect/>
+          </a:stretch>
+        </p:blipFill>
+        <p:spPr>
+          <a:xfrm>
+            <a:off x="6096000" y="1816746"/>
+            <a:ext cx="4798175" cy="3598631"/>
+          </a:xfrm>
+          <a:prstGeom prst="rect">
+            <a:avLst/>
+          </a:prstGeom>
+        </p:spPr>
+      </p:pic>
+    </p:spTree>
+    <p:extLst>
+      <p:ext uri="{BB962C8B-B14F-4D97-AF65-F5344CB8AC3E}">
+        <p14:creationId xmlns:p14="http://schemas.microsoft.com/office/powerpoint/2010/main" val="622126728"/>
+      </p:ext>
+    </p:extLst>
+  </p:cSld>
+  <p:clrMapOvr>
+    <a:masterClrMapping/>
+  </p:clrMapOvr>
+</p:sld>
+</file>
+
+<file path=ppt/slides/slide9.xml><?xml version="1.0" encoding="utf-8"?>
+<p:sld xmlns:a="http://schemas.openxmlformats.org/drawingml/2006/main" xmlns:r="http://schemas.openxmlformats.org/officeDocument/2006/relationships" xmlns:p="http://schemas.openxmlformats.org/presentationml/2006/main">
+  <p:cSld>
+    <p:spTree>
+      <p:nvGrpSpPr>
+        <p:cNvPr id="1" name=""/>
+        <p:cNvGrpSpPr/>
+        <p:nvPr/>
+      </p:nvGrpSpPr>
+      <p:grpSpPr>
+        <a:xfrm>
+          <a:off x="0" y="0"/>
+          <a:ext cx="0" cy="0"/>
+          <a:chOff x="0" y="0"/>
+          <a:chExt cx="0" cy="0"/>
+        </a:xfrm>
+      </p:grpSpPr>
+      <p:sp>
+        <p:nvSpPr>
+          <p:cNvPr id="2" name="标题 1">
+            <a:extLst>
+              <a:ext uri="{FF2B5EF4-FFF2-40B4-BE49-F238E27FC236}">
+                <a16:creationId xmlns:a16="http://schemas.microsoft.com/office/drawing/2014/main" id="{62A1B958-7931-4CDC-9042-6F4B3555B3B2}"/>
+              </a:ext>
+            </a:extLst>
+          </p:cNvPr>
+          <p:cNvSpPr>
+            <a:spLocks noGrp="1"/>
+          </p:cNvSpPr>
+          <p:nvPr>
+            <p:ph type="title"/>
+          </p:nvPr>
+        </p:nvSpPr>
+        <p:spPr/>
+        <p:txBody>
+          <a:bodyPr/>
+          <a:lstStyle/>
+          <a:p>
+            <a:pPr algn="ctr"/>
+            <a:r>
+              <a:rPr lang="en-US" altLang="zh-CN" dirty="0"/>
+              <a:t>5 qubits</a:t>
+            </a:r>
+            <a:endParaRPr lang="zh-CN" altLang="en-US" dirty="0"/>
+          </a:p>
+        </p:txBody>
+      </p:sp>
+      <p:graphicFrame>
+        <p:nvGraphicFramePr>
+          <p:cNvPr id="4" name="内容占位符 3">
+            <a:extLst>
+              <a:ext uri="{FF2B5EF4-FFF2-40B4-BE49-F238E27FC236}">
+                <a16:creationId xmlns:a16="http://schemas.microsoft.com/office/drawing/2014/main" id="{73384D1F-0F1A-4973-8872-C2A5083A52E2}"/>
+              </a:ext>
+            </a:extLst>
+          </p:cNvPr>
+          <p:cNvGraphicFramePr>
+            <a:graphicFrameLocks noGrp="1"/>
+          </p:cNvGraphicFramePr>
+          <p:nvPr>
+            <p:ph idx="1"/>
+            <p:extLst>
+              <p:ext uri="{D42A27DB-BD31-4B8C-83A1-F6EECF244321}">
+                <p14:modId xmlns:p14="http://schemas.microsoft.com/office/powerpoint/2010/main" val="3201695121"/>
+              </p:ext>
+            </p:extLst>
+          </p:nvPr>
+        </p:nvGraphicFramePr>
+        <p:xfrm>
+          <a:off x="838200" y="1825625"/>
+          <a:ext cx="10515600" cy="1854200"/>
+        </p:xfrm>
+        <a:graphic>
+          <a:graphicData uri="http://schemas.openxmlformats.org/drawingml/2006/table">
+            <a:tbl>
+              <a:tblPr firstRow="1" bandRow="1">
+                <a:tableStyleId>{5C22544A-7EE6-4342-B048-85BDC9FD1C3A}</a:tableStyleId>
+              </a:tblPr>
+              <a:tblGrid>
+                <a:gridCol w="3505200">
+                  <a:extLst>
+                    <a:ext uri="{9D8B030D-6E8A-4147-A177-3AD203B41FA5}">
+                      <a16:colId xmlns:a16="http://schemas.microsoft.com/office/drawing/2014/main" val="3120971515"/>
+                    </a:ext>
+                  </a:extLst>
+                </a:gridCol>
+                <a:gridCol w="3505200">
+                  <a:extLst>
+                    <a:ext uri="{9D8B030D-6E8A-4147-A177-3AD203B41FA5}">
+                      <a16:colId xmlns:a16="http://schemas.microsoft.com/office/drawing/2014/main" val="1568851554"/>
+                    </a:ext>
+                  </a:extLst>
+                </a:gridCol>
+                <a:gridCol w="3505200">
+                  <a:extLst>
+                    <a:ext uri="{9D8B030D-6E8A-4147-A177-3AD203B41FA5}">
+                      <a16:colId xmlns:a16="http://schemas.microsoft.com/office/drawing/2014/main" val="4032861273"/>
+                    </a:ext>
+                  </a:extLst>
+                </a:gridCol>
+              </a:tblGrid>
+              <a:tr h="370840">
+                <a:tc>
+                  <a:txBody>
+                    <a:bodyPr/>
+                    <a:lstStyle/>
+                    <a:p>
+                      <a:r>
+                        <a:rPr lang="en-US" altLang="zh-CN" dirty="0"/>
+                        <a:t>state</a:t>
+                      </a:r>
+                      <a:endParaRPr lang="zh-CN" altLang="en-US" dirty="0"/>
+                    </a:p>
+                  </a:txBody>
+                  <a:tcPr/>
+                </a:tc>
+                <a:tc>
+                  <a:txBody>
+                    <a:bodyPr/>
+                    <a:lstStyle/>
+                    <a:p>
+                      <a:r>
+                        <a:rPr lang="en-US" altLang="zh-CN" dirty="0"/>
+                        <a:t>Max entropy</a:t>
+                      </a:r>
+                      <a:endParaRPr lang="zh-CN" altLang="en-US" dirty="0"/>
+                    </a:p>
+                  </a:txBody>
+                  <a:tcPr/>
+                </a:tc>
+                <a:tc>
+                  <a:txBody>
+                    <a:bodyPr/>
+                    <a:lstStyle/>
+                    <a:p>
+                      <a:r>
+                        <a:rPr lang="en-US" altLang="zh-CN" dirty="0"/>
+                        <a:t>Time(ns)</a:t>
+                      </a:r>
+                      <a:endParaRPr lang="zh-CN" altLang="en-US" dirty="0"/>
+                    </a:p>
+                  </a:txBody>
+                  <a:tcPr/>
+                </a:tc>
+                <a:extLst>
+                  <a:ext uri="{0D108BD9-81ED-4DB2-BD59-A6C34878D82A}">
+                    <a16:rowId xmlns:a16="http://schemas.microsoft.com/office/drawing/2014/main" val="2438835285"/>
+                  </a:ext>
+                </a:extLst>
+              </a:tr>
+              <a:tr h="370840">
+                <a:tc>
+                  <a:txBody>
+                    <a:bodyPr/>
+                    <a:lstStyle/>
+                    <a:p>
+                      <a:r>
+                        <a:rPr lang="en-US" altLang="zh-CN" dirty="0">
+                          <a:solidFill>
+                            <a:srgbClr val="FF0000"/>
+                          </a:solidFill>
+                        </a:rPr>
+                        <a:t>[+,-,-,-,+]</a:t>
+                      </a:r>
+                      <a:endParaRPr lang="zh-CN" altLang="en-US" dirty="0">
+                        <a:solidFill>
+                          <a:srgbClr val="FF0000"/>
+                        </a:solidFill>
+                      </a:endParaRPr>
+                    </a:p>
+                  </a:txBody>
+                  <a:tcPr/>
+                </a:tc>
+                <a:tc>
+                  <a:txBody>
+                    <a:bodyPr/>
+                    <a:lstStyle/>
+                    <a:p>
+                      <a:r>
+                        <a:rPr lang="en-US" altLang="zh-CN" dirty="0">
+                          <a:solidFill>
+                            <a:srgbClr val="FF0000"/>
+                          </a:solidFill>
+                        </a:rPr>
+                        <a:t>23.413</a:t>
+                      </a:r>
+                      <a:endParaRPr lang="zh-CN" altLang="en-US" dirty="0">
+                        <a:solidFill>
+                          <a:srgbClr val="FF0000"/>
+                        </a:solidFill>
+                      </a:endParaRPr>
+                    </a:p>
+                  </a:txBody>
+                  <a:tcPr/>
+                </a:tc>
+                <a:tc>
+                  <a:txBody>
+                    <a:bodyPr/>
+                    <a:lstStyle/>
+                    <a:p>
+                      <a:r>
+                        <a:rPr lang="en-US" altLang="zh-CN" dirty="0">
+                          <a:solidFill>
+                            <a:srgbClr val="FF0000"/>
+                          </a:solidFill>
+                        </a:rPr>
+                        <a:t>29.333</a:t>
+                      </a:r>
+                      <a:endParaRPr lang="zh-CN" altLang="en-US" dirty="0">
+                        <a:solidFill>
+                          <a:srgbClr val="FF0000"/>
+                        </a:solidFill>
+                      </a:endParaRPr>
+                    </a:p>
+                  </a:txBody>
+                  <a:tcPr/>
+                </a:tc>
+                <a:extLst>
+                  <a:ext uri="{0D108BD9-81ED-4DB2-BD59-A6C34878D82A}">
+                    <a16:rowId xmlns:a16="http://schemas.microsoft.com/office/drawing/2014/main" val="1575424887"/>
+                  </a:ext>
+                </a:extLst>
+              </a:tr>
+              <a:tr h="370840">
+                <a:tc>
+                  <a:txBody>
+                    <a:bodyPr/>
+                    <a:lstStyle/>
+                    <a:p>
+                      <a:r>
+                        <a:rPr lang="en-US" altLang="zh-CN" dirty="0">
+                          <a:solidFill>
+                            <a:srgbClr val="FF0000"/>
+                          </a:solidFill>
+                        </a:rPr>
+                        <a:t>[-,+,+,+,-]</a:t>
+                      </a:r>
+                      <a:endParaRPr lang="zh-CN" altLang="en-US" dirty="0">
+                        <a:solidFill>
+                          <a:srgbClr val="FF0000"/>
+                        </a:solidFill>
+                      </a:endParaRPr>
+                    </a:p>
+                  </a:txBody>
+                  <a:tcPr/>
+                </a:tc>
+                <a:tc>
+                  <a:txBody>
+                    <a:bodyPr/>
+                    <a:lstStyle/>
+                    <a:p>
+                      <a:r>
+                        <a:rPr lang="en-US" altLang="zh-CN" dirty="0">
+                          <a:solidFill>
+                            <a:srgbClr val="FF0000"/>
+                          </a:solidFill>
+                        </a:rPr>
+                        <a:t>23.413</a:t>
+                      </a:r>
+                      <a:endParaRPr lang="zh-CN" altLang="en-US" dirty="0">
+                        <a:solidFill>
+                          <a:srgbClr val="FF0000"/>
+                        </a:solidFill>
+                      </a:endParaRPr>
+                    </a:p>
+                  </a:txBody>
+                  <a:tcPr/>
+                </a:tc>
+                <a:tc>
+                  <a:txBody>
+                    <a:bodyPr/>
+                    <a:lstStyle/>
+                    <a:p>
+                      <a:r>
+                        <a:rPr lang="en-US" altLang="zh-CN" dirty="0">
+                          <a:solidFill>
+                            <a:srgbClr val="FF0000"/>
+                          </a:solidFill>
+                        </a:rPr>
+                        <a:t>29.333</a:t>
+                      </a:r>
+                      <a:endParaRPr lang="zh-CN" altLang="en-US" dirty="0">
+                        <a:solidFill>
+                          <a:srgbClr val="FF0000"/>
+                        </a:solidFill>
+                      </a:endParaRPr>
+                    </a:p>
+                  </a:txBody>
+                  <a:tcPr/>
+                </a:tc>
+                <a:extLst>
+                  <a:ext uri="{0D108BD9-81ED-4DB2-BD59-A6C34878D82A}">
+                    <a16:rowId xmlns:a16="http://schemas.microsoft.com/office/drawing/2014/main" val="2320111935"/>
+                  </a:ext>
+                </a:extLst>
+              </a:tr>
+              <a:tr h="370840">
+                <a:tc>
+                  <a:txBody>
+                    <a:bodyPr/>
+                    <a:lstStyle/>
+                    <a:p>
+                      <a:r>
+                        <a:rPr lang="en-US" altLang="zh-CN" dirty="0"/>
+                        <a:t>[+,-,-,+,-]</a:t>
+                      </a:r>
+                      <a:endParaRPr lang="zh-CN" altLang="en-US" dirty="0"/>
+                    </a:p>
+                  </a:txBody>
+                  <a:tcPr/>
+                </a:tc>
+                <a:tc>
+                  <a:txBody>
+                    <a:bodyPr/>
+                    <a:lstStyle/>
+                    <a:p>
+                      <a:r>
+                        <a:rPr lang="en-US" altLang="zh-CN" dirty="0"/>
+                        <a:t>22.103</a:t>
+                      </a:r>
+                      <a:endParaRPr lang="zh-CN" altLang="en-US" dirty="0"/>
+                    </a:p>
+                  </a:txBody>
+                  <a:tcPr/>
+                </a:tc>
+                <a:tc>
+                  <a:txBody>
+                    <a:bodyPr/>
+                    <a:lstStyle/>
+                    <a:p>
+                      <a:r>
+                        <a:rPr lang="en-US" altLang="zh-CN" dirty="0"/>
+                        <a:t>29.333</a:t>
+                      </a:r>
+                      <a:endParaRPr lang="zh-CN" altLang="en-US" dirty="0"/>
+                    </a:p>
+                  </a:txBody>
+                  <a:tcPr/>
+                </a:tc>
+                <a:extLst>
+                  <a:ext uri="{0D108BD9-81ED-4DB2-BD59-A6C34878D82A}">
+                    <a16:rowId xmlns:a16="http://schemas.microsoft.com/office/drawing/2014/main" val="3287048381"/>
+                  </a:ext>
+                </a:extLst>
+              </a:tr>
+              <a:tr h="370840">
+                <a:tc>
+                  <a:txBody>
+                    <a:bodyPr/>
+                    <a:lstStyle/>
+                    <a:p>
+                      <a:r>
+                        <a:rPr lang="en-US" altLang="zh-CN" dirty="0"/>
+                        <a:t>[+,-,+,-,+]</a:t>
+                      </a:r>
+                      <a:endParaRPr lang="zh-CN" altLang="en-US" dirty="0"/>
+                    </a:p>
+                  </a:txBody>
+                  <a:tcPr/>
+                </a:tc>
+                <a:tc>
+                  <a:txBody>
+                    <a:bodyPr/>
+                    <a:lstStyle/>
+                    <a:p>
+                      <a:r>
+                        <a:rPr lang="en-US" altLang="zh-CN" dirty="0"/>
+                        <a:t>20.314</a:t>
+                      </a:r>
+                      <a:endParaRPr lang="zh-CN" altLang="en-US" dirty="0"/>
+                    </a:p>
+                  </a:txBody>
+                  <a:tcPr/>
+                </a:tc>
+                <a:tc>
+                  <a:txBody>
+                    <a:bodyPr/>
+                    <a:lstStyle/>
+                    <a:p>
+                      <a:r>
+                        <a:rPr lang="en-US" altLang="zh-CN" dirty="0"/>
+                        <a:t>27.333</a:t>
+                      </a:r>
+                      <a:endParaRPr lang="zh-CN" altLang="en-US" dirty="0"/>
+                    </a:p>
+                  </a:txBody>
+                  <a:tcPr/>
+                </a:tc>
+                <a:extLst>
+                  <a:ext uri="{0D108BD9-81ED-4DB2-BD59-A6C34878D82A}">
+                    <a16:rowId xmlns:a16="http://schemas.microsoft.com/office/drawing/2014/main" val="1108613194"/>
+                  </a:ext>
+                </a:extLst>
+              </a:tr>
+            </a:tbl>
+          </a:graphicData>
+        </a:graphic>
+      </p:graphicFrame>
+      <p:pic>
+        <p:nvPicPr>
+          <p:cNvPr id="6" name="图片 5">
+            <a:extLst>
+              <a:ext uri="{FF2B5EF4-FFF2-40B4-BE49-F238E27FC236}">
+                <a16:creationId xmlns:a16="http://schemas.microsoft.com/office/drawing/2014/main" id="{A14F4319-0D11-4A64-84F3-AEE4910B01A0}"/>
+              </a:ext>
+            </a:extLst>
+          </p:cNvPr>
+          <p:cNvPicPr>
+            <a:picLocks noChangeAspect="1"/>
+          </p:cNvPicPr>
+          <p:nvPr/>
+        </p:nvPicPr>
+        <p:blipFill>
+          <a:blip r:embed="rId2">
+            <a:extLst>
+              <a:ext uri="{28A0092B-C50C-407E-A947-70E740481C1C}">
+                <a14:useLocalDpi xmlns:a14="http://schemas.microsoft.com/office/drawing/2010/main" val="0"/>
+              </a:ext>
+            </a:extLst>
+          </a:blip>
+          <a:stretch>
+            <a:fillRect/>
+          </a:stretch>
+        </p:blipFill>
+        <p:spPr>
+          <a:xfrm>
+            <a:off x="1287849" y="3744597"/>
+            <a:ext cx="4012120" cy="3009090"/>
+          </a:xfrm>
+          <a:prstGeom prst="rect">
+            <a:avLst/>
+          </a:prstGeom>
+        </p:spPr>
+      </p:pic>
+      <p:pic>
+        <p:nvPicPr>
+          <p:cNvPr id="8" name="图片 7">
+            <a:extLst>
+              <a:ext uri="{FF2B5EF4-FFF2-40B4-BE49-F238E27FC236}">
+                <a16:creationId xmlns:a16="http://schemas.microsoft.com/office/drawing/2014/main" id="{C46F09B1-641D-47CB-B601-9C51FB80E83C}"/>
+              </a:ext>
+            </a:extLst>
+          </p:cNvPr>
+          <p:cNvPicPr>
+            <a:picLocks noChangeAspect="1"/>
+          </p:cNvPicPr>
+          <p:nvPr/>
+        </p:nvPicPr>
+        <p:blipFill>
+          <a:blip r:embed="rId3">
+            <a:extLst>
+              <a:ext uri="{28A0092B-C50C-407E-A947-70E740481C1C}">
+                <a14:useLocalDpi xmlns:a14="http://schemas.microsoft.com/office/drawing/2010/main" val="0"/>
+              </a:ext>
+            </a:extLst>
+          </a:blip>
+          <a:stretch>
+            <a:fillRect/>
+          </a:stretch>
+        </p:blipFill>
+        <p:spPr>
+          <a:xfrm>
+            <a:off x="6800881" y="3814762"/>
+            <a:ext cx="4012120" cy="3009090"/>
+          </a:xfrm>
+          <a:prstGeom prst="rect">
+            <a:avLst/>
+          </a:prstGeom>
+        </p:spPr>
+      </p:pic>
+    </p:spTree>
+    <p:extLst>
+      <p:ext uri="{BB962C8B-B14F-4D97-AF65-F5344CB8AC3E}">
+        <p14:creationId xmlns:p14="http://schemas.microsoft.com/office/powerpoint/2010/main" val="1503029359"/>
       </p:ext>
     </p:extLst>
   </p:cSld>
